--- a/Team 23 Status Update.pptx
+++ b/Team 23 Status Update.pptx
@@ -2,7 +2,7 @@
 <file path=ppt/presentation.xml><?xml version="1.0" encoding="utf-8"?>
 <p:presentation xmlns:a="http://schemas.openxmlformats.org/drawingml/2006/main" xmlns:r="http://schemas.openxmlformats.org/officeDocument/2006/relationships" xmlns:p="http://schemas.openxmlformats.org/presentationml/2006/main" saveSubsetFonts="1">
   <p:sldMasterIdLst>
-    <p:sldMasterId id="2147483660" r:id="rId1"/>
+    <p:sldMasterId id="2147483678" r:id="rId1"/>
   </p:sldMasterIdLst>
   <p:sldIdLst>
     <p:sldId id="257" r:id="rId2"/>
@@ -104,6 +104,11 @@
       </a:defRPr>
     </a:lvl9pPr>
   </p:defaultTextStyle>
+  <p:extLst>
+    <p:ext uri="{EFAFB233-063F-42B5-8137-9DF3F51BA10A}">
+      <p15:sldGuideLst xmlns:p15="http://schemas.microsoft.com/office/powerpoint/2012/main"/>
+    </p:ext>
+  </p:extLst>
 </p:presentation>
 </file>
 
@@ -149,7 +154,7 @@
           </a:lstStyle>
           <a:p>
             <a:r>
-              <a:rPr lang="en-US"/>
+              <a:rPr lang="en-US" smtClean="0"/>
               <a:t>Click to edit Master title style</a:t>
             </a:r>
             <a:endParaRPr lang="en-US" dirty="0"/>
@@ -179,10 +184,7 @@
               <a:buNone/>
               <a:defRPr cap="all">
                 <a:solidFill>
-                  <a:schemeClr val="bg2">
-                    <a:lumMod val="40000"/>
-                    <a:lumOff val="60000"/>
-                  </a:schemeClr>
+                  <a:schemeClr val="accent1"/>
                 </a:solidFill>
               </a:defRPr>
             </a:lvl1pPr>
@@ -269,7 +271,7 @@
           </a:lstStyle>
           <a:p>
             <a:r>
-              <a:rPr lang="en-US"/>
+              <a:rPr lang="en-US" smtClean="0"/>
               <a:t>Click to edit Master subtitle style</a:t>
             </a:r>
             <a:endParaRPr lang="en-US" dirty="0"/>
@@ -293,7 +295,7 @@
           <a:p>
             <a:fld id="{5F231CAA-BCD1-4F62-B128-A2629F305B47}" type="datetimeFigureOut">
               <a:rPr lang="en-US" smtClean="0"/>
-              <a:t>10/19/2016</a:t>
+              <a:t>10/20/2016</a:t>
             </a:fld>
             <a:endParaRPr lang="en-US"/>
           </a:p>
@@ -344,7 +346,7 @@
     </p:spTree>
     <p:extLst>
       <p:ext uri="{BB962C8B-B14F-4D97-AF65-F5344CB8AC3E}">
-        <p14:creationId xmlns:p14="http://schemas.microsoft.com/office/powerpoint/2010/main" val="1943981895"/>
+        <p14:creationId xmlns:p14="http://schemas.microsoft.com/office/powerpoint/2010/main" val="1199621129"/>
       </p:ext>
     </p:extLst>
   </p:cSld>
@@ -398,7 +400,7 @@
           </a:lstStyle>
           <a:p>
             <a:r>
-              <a:rPr lang="en-US"/>
+              <a:rPr lang="en-US" smtClean="0"/>
               <a:t>Click to edit Master title style</a:t>
             </a:r>
             <a:endParaRPr lang="en-US" dirty="0"/>
@@ -477,7 +479,7 @@
           </a:lstStyle>
           <a:p>
             <a:r>
-              <a:rPr lang="en-US"/>
+              <a:rPr lang="en-US" smtClean="0"/>
               <a:t>Click icon to add picture</a:t>
             </a:r>
             <a:endParaRPr lang="en-US" dirty="0"/>
@@ -545,8 +547,8 @@
           <a:p>
             <a:pPr lvl="0"/>
             <a:r>
-              <a:rPr lang="en-US"/>
-              <a:t>Edit Master text styles</a:t>
+              <a:rPr lang="en-US" smtClean="0"/>
+              <a:t>Click to edit Master text styles</a:t>
             </a:r>
           </a:p>
         </p:txBody>
@@ -568,7 +570,7 @@
           <a:p>
             <a:fld id="{5F231CAA-BCD1-4F62-B128-A2629F305B47}" type="datetimeFigureOut">
               <a:rPr lang="en-US" smtClean="0"/>
-              <a:t>10/19/2016</a:t>
+              <a:t>10/20/2016</a:t>
             </a:fld>
             <a:endParaRPr lang="en-US"/>
           </a:p>
@@ -619,7 +621,7 @@
     </p:spTree>
     <p:extLst>
       <p:ext uri="{BB962C8B-B14F-4D97-AF65-F5344CB8AC3E}">
-        <p14:creationId xmlns:p14="http://schemas.microsoft.com/office/powerpoint/2010/main" val="3168721240"/>
+        <p14:creationId xmlns:p14="http://schemas.microsoft.com/office/powerpoint/2010/main" val="2891321390"/>
       </p:ext>
     </p:extLst>
   </p:cSld>
@@ -671,7 +673,7 @@
           </a:lstStyle>
           <a:p>
             <a:r>
-              <a:rPr lang="en-US"/>
+              <a:rPr lang="en-US" smtClean="0"/>
               <a:t>Click to edit Master title style</a:t>
             </a:r>
             <a:endParaRPr lang="en-US" dirty="0"/>
@@ -739,8 +741,8 @@
           <a:p>
             <a:pPr lvl="0"/>
             <a:r>
-              <a:rPr lang="en-US"/>
-              <a:t>Edit Master text styles</a:t>
+              <a:rPr lang="en-US" smtClean="0"/>
+              <a:t>Click to edit Master text styles</a:t>
             </a:r>
           </a:p>
         </p:txBody>
@@ -762,7 +764,7 @@
           <a:p>
             <a:fld id="{5F231CAA-BCD1-4F62-B128-A2629F305B47}" type="datetimeFigureOut">
               <a:rPr lang="en-US" smtClean="0"/>
-              <a:t>10/19/2016</a:t>
+              <a:t>10/20/2016</a:t>
             </a:fld>
             <a:endParaRPr lang="en-US"/>
           </a:p>
@@ -813,7 +815,7 @@
     </p:spTree>
     <p:extLst>
       <p:ext uri="{BB962C8B-B14F-4D97-AF65-F5344CB8AC3E}">
-        <p14:creationId xmlns:p14="http://schemas.microsoft.com/office/powerpoint/2010/main" val="559923099"/>
+        <p14:creationId xmlns:p14="http://schemas.microsoft.com/office/powerpoint/2010/main" val="1185200100"/>
       </p:ext>
     </p:extLst>
   </p:cSld>
@@ -865,7 +867,7 @@
           </a:lstStyle>
           <a:p>
             <a:r>
-              <a:rPr lang="en-US"/>
+              <a:rPr lang="en-US" smtClean="0"/>
               <a:t>Click to edit Master title style</a:t>
             </a:r>
             <a:endParaRPr lang="en-US" dirty="0"/>
@@ -874,12 +876,12 @@
       </p:sp>
       <p:sp>
         <p:nvSpPr>
-          <p:cNvPr id="11" name="Text Placeholder 3"/>
-          <p:cNvSpPr>
-            <a:spLocks noGrp="1"/>
-          </p:cNvSpPr>
-          <p:nvPr>
-            <p:ph type="body" sz="half" idx="14"/>
+          <p:cNvPr id="14" name="Text Placeholder 3"/>
+          <p:cNvSpPr>
+            <a:spLocks noGrp="1"/>
+          </p:cNvSpPr>
+          <p:nvPr>
+            <p:ph type="body" sz="half" idx="13"/>
           </p:nvPr>
         </p:nvSpPr>
         <p:spPr>
@@ -889,7 +891,7 @@
           </a:xfrm>
         </p:spPr>
         <p:txBody>
-          <a:bodyPr vert="horz" lIns="91440" tIns="45720" rIns="91440" bIns="45720" rtlCol="0" anchor="t">
+          <a:bodyPr anchor="t">
             <a:normAutofit/>
           </a:bodyPr>
           <a:lstStyle>
@@ -897,10 +899,7 @@
               <a:buNone/>
               <a:defRPr lang="en-US" sz="1400" b="0" i="0" kern="1200" cap="small" dirty="0">
                 <a:solidFill>
-                  <a:schemeClr val="bg2">
-                    <a:lumMod val="40000"/>
-                    <a:lumOff val="60000"/>
-                  </a:schemeClr>
+                  <a:schemeClr val="accent1"/>
                 </a:solidFill>
                 <a:latin typeface="+mj-lt"/>
                 <a:ea typeface="+mj-ea"/>
@@ -941,12 +940,10 @@
             </a:lvl9pPr>
           </a:lstStyle>
           <a:p>
-            <a:pPr marL="0" lvl="0" indent="0">
-              <a:buNone/>
-            </a:pPr>
-            <a:r>
-              <a:rPr lang="en-US"/>
-              <a:t>Edit Master text styles</a:t>
+            <a:pPr lvl="0"/>
+            <a:r>
+              <a:rPr lang="en-US" smtClean="0"/>
+              <a:t>Click to edit Master text styles</a:t>
             </a:r>
           </a:p>
         </p:txBody>
@@ -1012,8 +1009,8 @@
           <a:p>
             <a:pPr lvl="0"/>
             <a:r>
-              <a:rPr lang="en-US"/>
-              <a:t>Edit Master text styles</a:t>
+              <a:rPr lang="en-US" smtClean="0"/>
+              <a:t>Click to edit Master text styles</a:t>
             </a:r>
           </a:p>
         </p:txBody>
@@ -1035,7 +1032,7 @@
           <a:p>
             <a:fld id="{5F231CAA-BCD1-4F62-B128-A2629F305B47}" type="datetimeFigureOut">
               <a:rPr lang="en-US" smtClean="0"/>
-              <a:t>10/19/2016</a:t>
+              <a:t>10/20/2016</a:t>
             </a:fld>
             <a:endParaRPr lang="en-US"/>
           </a:p>
@@ -1085,7 +1082,7 @@
       </p:sp>
       <p:sp>
         <p:nvSpPr>
-          <p:cNvPr id="12" name="TextBox 11"/>
+          <p:cNvPr id="9" name="TextBox 8"/>
           <p:cNvSpPr txBox="1"/>
           <p:nvPr/>
         </p:nvSpPr>
@@ -1110,10 +1107,7 @@
             <a:lvl1pPr algn="r">
               <a:defRPr sz="12200" b="0" i="0">
                 <a:solidFill>
-                  <a:schemeClr val="bg2">
-                    <a:lumMod val="40000"/>
-                    <a:lumOff val="60000"/>
-                  </a:schemeClr>
+                  <a:schemeClr val="accent1"/>
                 </a:solidFill>
                 <a:latin typeface="Arial"/>
                 <a:ea typeface="+mj-ea"/>
@@ -1132,7 +1126,7 @@
       </p:sp>
       <p:sp>
         <p:nvSpPr>
-          <p:cNvPr id="15" name="TextBox 14"/>
+          <p:cNvPr id="13" name="TextBox 12"/>
           <p:cNvSpPr txBox="1"/>
           <p:nvPr/>
         </p:nvSpPr>
@@ -1157,10 +1151,7 @@
             <a:lvl1pPr algn="r">
               <a:defRPr sz="12200" b="0" i="0">
                 <a:solidFill>
-                  <a:schemeClr val="bg2">
-                    <a:lumMod val="40000"/>
-                    <a:lumOff val="60000"/>
-                  </a:schemeClr>
+                  <a:schemeClr val="accent1"/>
                 </a:solidFill>
                 <a:latin typeface="Arial"/>
                 <a:ea typeface="+mj-ea"/>
@@ -1180,7 +1171,7 @@
     </p:spTree>
     <p:extLst>
       <p:ext uri="{BB962C8B-B14F-4D97-AF65-F5344CB8AC3E}">
-        <p14:creationId xmlns:p14="http://schemas.microsoft.com/office/powerpoint/2010/main" val="4149013981"/>
+        <p14:creationId xmlns:p14="http://schemas.microsoft.com/office/powerpoint/2010/main" val="1221754636"/>
       </p:ext>
     </p:extLst>
   </p:cSld>
@@ -1232,7 +1223,7 @@
           </a:lstStyle>
           <a:p>
             <a:r>
-              <a:rPr lang="en-US"/>
+              <a:rPr lang="en-US" smtClean="0"/>
               <a:t>Click to edit Master title style</a:t>
             </a:r>
             <a:endParaRPr lang="en-US" dirty="0"/>
@@ -1262,10 +1253,7 @@
               <a:buNone/>
               <a:defRPr sz="2000" cap="none">
                 <a:solidFill>
-                  <a:schemeClr val="bg2">
-                    <a:lumMod val="40000"/>
-                    <a:lumOff val="60000"/>
-                  </a:schemeClr>
+                  <a:schemeClr val="accent1"/>
                 </a:solidFill>
               </a:defRPr>
             </a:lvl1pPr>
@@ -1353,8 +1341,8 @@
           <a:p>
             <a:pPr lvl="0"/>
             <a:r>
-              <a:rPr lang="en-US"/>
-              <a:t>Edit Master text styles</a:t>
+              <a:rPr lang="en-US" smtClean="0"/>
+              <a:t>Click to edit Master text styles</a:t>
             </a:r>
           </a:p>
         </p:txBody>
@@ -1376,7 +1364,7 @@
           <a:p>
             <a:fld id="{5F231CAA-BCD1-4F62-B128-A2629F305B47}" type="datetimeFigureOut">
               <a:rPr lang="en-US" smtClean="0"/>
-              <a:t>10/19/2016</a:t>
+              <a:t>10/20/2016</a:t>
             </a:fld>
             <a:endParaRPr lang="en-US"/>
           </a:p>
@@ -1427,7 +1415,7 @@
     </p:spTree>
     <p:extLst>
       <p:ext uri="{BB962C8B-B14F-4D97-AF65-F5344CB8AC3E}">
-        <p14:creationId xmlns:p14="http://schemas.microsoft.com/office/powerpoint/2010/main" val="4002405768"/>
+        <p14:creationId xmlns:p14="http://schemas.microsoft.com/office/powerpoint/2010/main" val="2279182801"/>
       </p:ext>
     </p:extLst>
   </p:cSld>
@@ -1474,7 +1462,7 @@
           </a:lstStyle>
           <a:p>
             <a:r>
-              <a:rPr lang="en-US"/>
+              <a:rPr lang="en-US" smtClean="0"/>
               <a:t>Click to edit Master title style</a:t>
             </a:r>
             <a:endParaRPr lang="en-US" dirty="0"/>
@@ -1506,10 +1494,7 @@
               <a:buNone/>
               <a:defRPr sz="2400" b="0">
                 <a:solidFill>
-                  <a:schemeClr val="bg2">
-                    <a:lumMod val="40000"/>
-                    <a:lumOff val="60000"/>
-                  </a:schemeClr>
+                  <a:schemeClr val="accent1"/>
                 </a:solidFill>
               </a:defRPr>
             </a:lvl1pPr>
@@ -1549,8 +1534,8 @@
           <a:p>
             <a:pPr lvl="0"/>
             <a:r>
-              <a:rPr lang="en-US"/>
-              <a:t>Edit Master text styles</a:t>
+              <a:rPr lang="en-US" smtClean="0"/>
+              <a:t>Click to edit Master text styles</a:t>
             </a:r>
           </a:p>
         </p:txBody>
@@ -1616,8 +1601,8 @@
           <a:p>
             <a:pPr lvl="0"/>
             <a:r>
-              <a:rPr lang="en-US"/>
-              <a:t>Edit Master text styles</a:t>
+              <a:rPr lang="en-US" smtClean="0"/>
+              <a:t>Click to edit Master text styles</a:t>
             </a:r>
           </a:p>
         </p:txBody>
@@ -1647,10 +1632,7 @@
               <a:buNone/>
               <a:defRPr sz="2400" b="0">
                 <a:solidFill>
-                  <a:schemeClr val="bg2">
-                    <a:lumMod val="40000"/>
-                    <a:lumOff val="60000"/>
-                  </a:schemeClr>
+                  <a:schemeClr val="accent1"/>
                 </a:solidFill>
               </a:defRPr>
             </a:lvl1pPr>
@@ -1690,8 +1672,8 @@
           <a:p>
             <a:pPr lvl="0"/>
             <a:r>
-              <a:rPr lang="en-US"/>
-              <a:t>Edit Master text styles</a:t>
+              <a:rPr lang="en-US" smtClean="0"/>
+              <a:t>Click to edit Master text styles</a:t>
             </a:r>
           </a:p>
         </p:txBody>
@@ -1757,8 +1739,8 @@
           <a:p>
             <a:pPr lvl="0"/>
             <a:r>
-              <a:rPr lang="en-US"/>
-              <a:t>Edit Master text styles</a:t>
+              <a:rPr lang="en-US" smtClean="0"/>
+              <a:t>Click to edit Master text styles</a:t>
             </a:r>
           </a:p>
         </p:txBody>
@@ -1788,10 +1770,7 @@
               <a:buNone/>
               <a:defRPr sz="2400" b="0">
                 <a:solidFill>
-                  <a:schemeClr val="bg2">
-                    <a:lumMod val="40000"/>
-                    <a:lumOff val="60000"/>
-                  </a:schemeClr>
+                  <a:schemeClr val="accent1"/>
                 </a:solidFill>
               </a:defRPr>
             </a:lvl1pPr>
@@ -1831,8 +1810,8 @@
           <a:p>
             <a:pPr lvl="0"/>
             <a:r>
-              <a:rPr lang="en-US"/>
-              <a:t>Edit Master text styles</a:t>
+              <a:rPr lang="en-US" smtClean="0"/>
+              <a:t>Click to edit Master text styles</a:t>
             </a:r>
           </a:p>
         </p:txBody>
@@ -1898,8 +1877,8 @@
           <a:p>
             <a:pPr lvl="0"/>
             <a:r>
-              <a:rPr lang="en-US"/>
-              <a:t>Edit Master text styles</a:t>
+              <a:rPr lang="en-US" smtClean="0"/>
+              <a:t>Click to edit Master text styles</a:t>
             </a:r>
           </a:p>
         </p:txBody>
@@ -1920,9 +1899,7 @@
           </a:prstGeom>
           <a:ln w="12700" cmpd="sng">
             <a:solidFill>
-              <a:schemeClr val="bg2">
-                <a:lumMod val="40000"/>
-                <a:lumOff val="60000"/>
+              <a:schemeClr val="accent1">
                 <a:alpha val="40000"/>
               </a:schemeClr>
             </a:solidFill>
@@ -1959,9 +1936,7 @@
           </a:prstGeom>
           <a:ln w="12700" cmpd="sng">
             <a:solidFill>
-              <a:schemeClr val="bg2">
-                <a:lumMod val="40000"/>
-                <a:lumOff val="60000"/>
+              <a:schemeClr val="accent1">
                 <a:alpha val="40000"/>
               </a:schemeClr>
             </a:solidFill>
@@ -1999,7 +1974,7 @@
           <a:p>
             <a:fld id="{5F231CAA-BCD1-4F62-B128-A2629F305B47}" type="datetimeFigureOut">
               <a:rPr lang="en-US" smtClean="0"/>
-              <a:t>10/19/2016</a:t>
+              <a:t>10/20/2016</a:t>
             </a:fld>
             <a:endParaRPr lang="en-US"/>
           </a:p>
@@ -2050,7 +2025,7 @@
     </p:spTree>
     <p:extLst>
       <p:ext uri="{BB962C8B-B14F-4D97-AF65-F5344CB8AC3E}">
-        <p14:creationId xmlns:p14="http://schemas.microsoft.com/office/powerpoint/2010/main" val="4007437041"/>
+        <p14:creationId xmlns:p14="http://schemas.microsoft.com/office/powerpoint/2010/main" val="4278994404"/>
       </p:ext>
     </p:extLst>
   </p:cSld>
@@ -2097,7 +2072,7 @@
           </a:lstStyle>
           <a:p>
             <a:r>
-              <a:rPr lang="en-US"/>
+              <a:rPr lang="en-US" smtClean="0"/>
               <a:t>Click to edit Master title style</a:t>
             </a:r>
             <a:endParaRPr lang="en-US" dirty="0"/>
@@ -2129,10 +2104,7 @@
               <a:buNone/>
               <a:defRPr sz="2400" b="0">
                 <a:solidFill>
-                  <a:schemeClr val="bg2">
-                    <a:lumMod val="40000"/>
-                    <a:lumOff val="60000"/>
-                  </a:schemeClr>
+                  <a:schemeClr val="accent1"/>
                 </a:solidFill>
               </a:defRPr>
             </a:lvl1pPr>
@@ -2172,8 +2144,8 @@
           <a:p>
             <a:pPr lvl="0"/>
             <a:r>
-              <a:rPr lang="en-US"/>
-              <a:t>Edit Master text styles</a:t>
+              <a:rPr lang="en-US" smtClean="0"/>
+              <a:t>Click to edit Master text styles</a:t>
             </a:r>
           </a:p>
         </p:txBody>
@@ -2250,7 +2222,7 @@
           </a:lstStyle>
           <a:p>
             <a:r>
-              <a:rPr lang="en-US"/>
+              <a:rPr lang="en-US" smtClean="0"/>
               <a:t>Click icon to add picture</a:t>
             </a:r>
             <a:endParaRPr lang="en-US" dirty="0"/>
@@ -2318,8 +2290,8 @@
           <a:p>
             <a:pPr lvl="0"/>
             <a:r>
-              <a:rPr lang="en-US"/>
-              <a:t>Edit Master text styles</a:t>
+              <a:rPr lang="en-US" smtClean="0"/>
+              <a:t>Click to edit Master text styles</a:t>
             </a:r>
           </a:p>
         </p:txBody>
@@ -2349,10 +2321,7 @@
               <a:buNone/>
               <a:defRPr sz="2400" b="0">
                 <a:solidFill>
-                  <a:schemeClr val="bg2">
-                    <a:lumMod val="40000"/>
-                    <a:lumOff val="60000"/>
-                  </a:schemeClr>
+                  <a:schemeClr val="accent1"/>
                 </a:solidFill>
               </a:defRPr>
             </a:lvl1pPr>
@@ -2392,8 +2361,8 @@
           <a:p>
             <a:pPr lvl="0"/>
             <a:r>
-              <a:rPr lang="en-US"/>
-              <a:t>Edit Master text styles</a:t>
+              <a:rPr lang="en-US" smtClean="0"/>
+              <a:t>Click to edit Master text styles</a:t>
             </a:r>
           </a:p>
         </p:txBody>
@@ -2470,7 +2439,7 @@
           </a:lstStyle>
           <a:p>
             <a:r>
-              <a:rPr lang="en-US"/>
+              <a:rPr lang="en-US" smtClean="0"/>
               <a:t>Click icon to add picture</a:t>
             </a:r>
             <a:endParaRPr lang="en-US" dirty="0"/>
@@ -2538,8 +2507,8 @@
           <a:p>
             <a:pPr lvl="0"/>
             <a:r>
-              <a:rPr lang="en-US"/>
-              <a:t>Edit Master text styles</a:t>
+              <a:rPr lang="en-US" smtClean="0"/>
+              <a:t>Click to edit Master text styles</a:t>
             </a:r>
           </a:p>
         </p:txBody>
@@ -2569,10 +2538,7 @@
               <a:buNone/>
               <a:defRPr sz="2400" b="0">
                 <a:solidFill>
-                  <a:schemeClr val="bg2">
-                    <a:lumMod val="40000"/>
-                    <a:lumOff val="60000"/>
-                  </a:schemeClr>
+                  <a:schemeClr val="accent1"/>
                 </a:solidFill>
               </a:defRPr>
             </a:lvl1pPr>
@@ -2612,8 +2578,8 @@
           <a:p>
             <a:pPr lvl="0"/>
             <a:r>
-              <a:rPr lang="en-US"/>
-              <a:t>Edit Master text styles</a:t>
+              <a:rPr lang="en-US" smtClean="0"/>
+              <a:t>Click to edit Master text styles</a:t>
             </a:r>
           </a:p>
         </p:txBody>
@@ -2690,7 +2656,7 @@
           </a:lstStyle>
           <a:p>
             <a:r>
-              <a:rPr lang="en-US"/>
+              <a:rPr lang="en-US" smtClean="0"/>
               <a:t>Click icon to add picture</a:t>
             </a:r>
             <a:endParaRPr lang="en-US" dirty="0"/>
@@ -2758,15 +2724,15 @@
           <a:p>
             <a:pPr lvl="0"/>
             <a:r>
-              <a:rPr lang="en-US"/>
-              <a:t>Edit Master text styles</a:t>
+              <a:rPr lang="en-US" smtClean="0"/>
+              <a:t>Click to edit Master text styles</a:t>
             </a:r>
           </a:p>
         </p:txBody>
       </p:sp>
       <p:cxnSp>
         <p:nvCxnSpPr>
-          <p:cNvPr id="19" name="Straight Connector 18"/>
+          <p:cNvPr id="17" name="Straight Connector 16"/>
           <p:cNvCxnSpPr/>
           <p:nvPr/>
         </p:nvCxnSpPr>
@@ -2780,9 +2746,7 @@
           </a:prstGeom>
           <a:ln w="12700" cmpd="sng">
             <a:solidFill>
-              <a:schemeClr val="bg2">
-                <a:lumMod val="40000"/>
-                <a:lumOff val="60000"/>
+              <a:schemeClr val="accent1">
                 <a:alpha val="40000"/>
               </a:schemeClr>
             </a:solidFill>
@@ -2805,7 +2769,7 @@
       </p:cxnSp>
       <p:cxnSp>
         <p:nvCxnSpPr>
-          <p:cNvPr id="20" name="Straight Connector 19"/>
+          <p:cNvPr id="18" name="Straight Connector 17"/>
           <p:cNvCxnSpPr/>
           <p:nvPr/>
         </p:nvCxnSpPr>
@@ -2819,9 +2783,7 @@
           </a:prstGeom>
           <a:ln w="12700" cmpd="sng">
             <a:solidFill>
-              <a:schemeClr val="bg2">
-                <a:lumMod val="40000"/>
-                <a:lumOff val="60000"/>
+              <a:schemeClr val="accent1">
                 <a:alpha val="40000"/>
               </a:schemeClr>
             </a:solidFill>
@@ -2859,7 +2821,7 @@
           <a:p>
             <a:fld id="{5F231CAA-BCD1-4F62-B128-A2629F305B47}" type="datetimeFigureOut">
               <a:rPr lang="en-US" smtClean="0"/>
-              <a:t>10/19/2016</a:t>
+              <a:t>10/20/2016</a:t>
             </a:fld>
             <a:endParaRPr lang="en-US"/>
           </a:p>
@@ -2910,7 +2872,7 @@
     </p:spTree>
     <p:extLst>
       <p:ext uri="{BB962C8B-B14F-4D97-AF65-F5344CB8AC3E}">
-        <p14:creationId xmlns:p14="http://schemas.microsoft.com/office/powerpoint/2010/main" val="2220218777"/>
+        <p14:creationId xmlns:p14="http://schemas.microsoft.com/office/powerpoint/2010/main" val="1237367668"/>
       </p:ext>
     </p:extLst>
   </p:cSld>
@@ -2953,7 +2915,7 @@
           <a:lstStyle/>
           <a:p>
             <a:r>
-              <a:rPr lang="en-US"/>
+              <a:rPr lang="en-US" smtClean="0"/>
               <a:t>Click to edit Master title style</a:t>
             </a:r>
             <a:endParaRPr lang="en-US" dirty="0"/>
@@ -2977,35 +2939,35 @@
           <a:p>
             <a:pPr lvl="0"/>
             <a:r>
-              <a:rPr lang="en-US"/>
-              <a:t>Edit Master text styles</a:t>
+              <a:rPr lang="en-US" smtClean="0"/>
+              <a:t>Click to edit Master text styles</a:t>
             </a:r>
           </a:p>
           <a:p>
             <a:pPr lvl="1"/>
             <a:r>
-              <a:rPr lang="en-US"/>
+              <a:rPr lang="en-US" smtClean="0"/>
               <a:t>Second level</a:t>
             </a:r>
           </a:p>
           <a:p>
             <a:pPr lvl="2"/>
             <a:r>
-              <a:rPr lang="en-US"/>
+              <a:rPr lang="en-US" smtClean="0"/>
               <a:t>Third level</a:t>
             </a:r>
           </a:p>
           <a:p>
             <a:pPr lvl="3"/>
             <a:r>
-              <a:rPr lang="en-US"/>
+              <a:rPr lang="en-US" smtClean="0"/>
               <a:t>Fourth level</a:t>
             </a:r>
           </a:p>
           <a:p>
             <a:pPr lvl="4"/>
             <a:r>
-              <a:rPr lang="en-US"/>
+              <a:rPr lang="en-US" smtClean="0"/>
               <a:t>Fifth level</a:t>
             </a:r>
             <a:endParaRPr lang="en-US" dirty="0"/>
@@ -3029,7 +2991,7 @@
           <a:p>
             <a:fld id="{5F231CAA-BCD1-4F62-B128-A2629F305B47}" type="datetimeFigureOut">
               <a:rPr lang="en-US" smtClean="0"/>
-              <a:t>10/19/2016</a:t>
+              <a:t>10/20/2016</a:t>
             </a:fld>
             <a:endParaRPr lang="en-US"/>
           </a:p>
@@ -3080,7 +3042,7 @@
     </p:spTree>
     <p:extLst>
       <p:ext uri="{BB962C8B-B14F-4D97-AF65-F5344CB8AC3E}">
-        <p14:creationId xmlns:p14="http://schemas.microsoft.com/office/powerpoint/2010/main" val="1069620089"/>
+        <p14:creationId xmlns:p14="http://schemas.microsoft.com/office/powerpoint/2010/main" val="427644693"/>
       </p:ext>
     </p:extLst>
   </p:cSld>
@@ -3128,7 +3090,7 @@
           <a:lstStyle/>
           <a:p>
             <a:r>
-              <a:rPr lang="en-US"/>
+              <a:rPr lang="en-US" smtClean="0"/>
               <a:t>Click to edit Master title style</a:t>
             </a:r>
             <a:endParaRPr lang="en-US" dirty="0"/>
@@ -3157,35 +3119,35 @@
           <a:p>
             <a:pPr lvl="0"/>
             <a:r>
-              <a:rPr lang="en-US"/>
-              <a:t>Edit Master text styles</a:t>
+              <a:rPr lang="en-US" smtClean="0"/>
+              <a:t>Click to edit Master text styles</a:t>
             </a:r>
           </a:p>
           <a:p>
             <a:pPr lvl="1"/>
             <a:r>
-              <a:rPr lang="en-US"/>
+              <a:rPr lang="en-US" smtClean="0"/>
               <a:t>Second level</a:t>
             </a:r>
           </a:p>
           <a:p>
             <a:pPr lvl="2"/>
             <a:r>
-              <a:rPr lang="en-US"/>
+              <a:rPr lang="en-US" smtClean="0"/>
               <a:t>Third level</a:t>
             </a:r>
           </a:p>
           <a:p>
             <a:pPr lvl="3"/>
             <a:r>
-              <a:rPr lang="en-US"/>
+              <a:rPr lang="en-US" smtClean="0"/>
               <a:t>Fourth level</a:t>
             </a:r>
           </a:p>
           <a:p>
             <a:pPr lvl="4"/>
             <a:r>
-              <a:rPr lang="en-US"/>
+              <a:rPr lang="en-US" smtClean="0"/>
               <a:t>Fifth level</a:t>
             </a:r>
             <a:endParaRPr lang="en-US" dirty="0"/>
@@ -3209,7 +3171,7 @@
           <a:p>
             <a:fld id="{5F231CAA-BCD1-4F62-B128-A2629F305B47}" type="datetimeFigureOut">
               <a:rPr lang="en-US" smtClean="0"/>
-              <a:t>10/19/2016</a:t>
+              <a:t>10/20/2016</a:t>
             </a:fld>
             <a:endParaRPr lang="en-US"/>
           </a:p>
@@ -3260,7 +3222,7 @@
     </p:spTree>
     <p:extLst>
       <p:ext uri="{BB962C8B-B14F-4D97-AF65-F5344CB8AC3E}">
-        <p14:creationId xmlns:p14="http://schemas.microsoft.com/office/powerpoint/2010/main" val="762243429"/>
+        <p14:creationId xmlns:p14="http://schemas.microsoft.com/office/powerpoint/2010/main" val="1680915708"/>
       </p:ext>
     </p:extLst>
   </p:cSld>
@@ -3303,7 +3265,7 @@
           <a:lstStyle/>
           <a:p>
             <a:r>
-              <a:rPr lang="en-US"/>
+              <a:rPr lang="en-US" smtClean="0"/>
               <a:t>Click to edit Master title style</a:t>
             </a:r>
             <a:endParaRPr lang="en-US" dirty="0"/>
@@ -3327,35 +3289,35 @@
           <a:p>
             <a:pPr lvl="0"/>
             <a:r>
-              <a:rPr lang="en-US"/>
-              <a:t>Edit Master text styles</a:t>
+              <a:rPr lang="en-US" smtClean="0"/>
+              <a:t>Click to edit Master text styles</a:t>
             </a:r>
           </a:p>
           <a:p>
             <a:pPr lvl="1"/>
             <a:r>
-              <a:rPr lang="en-US"/>
+              <a:rPr lang="en-US" smtClean="0"/>
               <a:t>Second level</a:t>
             </a:r>
           </a:p>
           <a:p>
             <a:pPr lvl="2"/>
             <a:r>
-              <a:rPr lang="en-US"/>
+              <a:rPr lang="en-US" smtClean="0"/>
               <a:t>Third level</a:t>
             </a:r>
           </a:p>
           <a:p>
             <a:pPr lvl="3"/>
             <a:r>
-              <a:rPr lang="en-US"/>
+              <a:rPr lang="en-US" smtClean="0"/>
               <a:t>Fourth level</a:t>
             </a:r>
           </a:p>
           <a:p>
             <a:pPr lvl="4"/>
             <a:r>
-              <a:rPr lang="en-US"/>
+              <a:rPr lang="en-US" smtClean="0"/>
               <a:t>Fifth level</a:t>
             </a:r>
             <a:endParaRPr lang="en-US" dirty="0"/>
@@ -3364,7 +3326,7 @@
       </p:sp>
       <p:sp>
         <p:nvSpPr>
-          <p:cNvPr id="7" name="Date Placeholder 3"/>
+          <p:cNvPr id="4" name="Date Placeholder 3"/>
           <p:cNvSpPr>
             <a:spLocks noGrp="1"/>
           </p:cNvSpPr>
@@ -3379,7 +3341,7 @@
           <a:p>
             <a:fld id="{5F231CAA-BCD1-4F62-B128-A2629F305B47}" type="datetimeFigureOut">
               <a:rPr lang="en-US" smtClean="0"/>
-              <a:t>10/19/2016</a:t>
+              <a:t>10/20/2016</a:t>
             </a:fld>
             <a:endParaRPr lang="en-US"/>
           </a:p>
@@ -3430,7 +3392,7 @@
     </p:spTree>
     <p:extLst>
       <p:ext uri="{BB962C8B-B14F-4D97-AF65-F5344CB8AC3E}">
-        <p14:creationId xmlns:p14="http://schemas.microsoft.com/office/powerpoint/2010/main" val="2745162149"/>
+        <p14:creationId xmlns:p14="http://schemas.microsoft.com/office/powerpoint/2010/main" val="1666743826"/>
       </p:ext>
     </p:extLst>
   </p:cSld>
@@ -3482,7 +3444,7 @@
           </a:lstStyle>
           <a:p>
             <a:r>
-              <a:rPr lang="en-US"/>
+              <a:rPr lang="en-US" smtClean="0"/>
               <a:t>Click to edit Master title style</a:t>
             </a:r>
             <a:endParaRPr lang="en-US" dirty="0"/>
@@ -3512,10 +3474,7 @@
               <a:buNone/>
               <a:defRPr sz="2000" cap="all">
                 <a:solidFill>
-                  <a:schemeClr val="bg2">
-                    <a:lumMod val="40000"/>
-                    <a:lumOff val="60000"/>
-                  </a:schemeClr>
+                  <a:schemeClr val="accent1"/>
                 </a:solidFill>
               </a:defRPr>
             </a:lvl1pPr>
@@ -3603,8 +3562,8 @@
           <a:p>
             <a:pPr lvl="0"/>
             <a:r>
-              <a:rPr lang="en-US"/>
-              <a:t>Edit Master text styles</a:t>
+              <a:rPr lang="en-US" smtClean="0"/>
+              <a:t>Click to edit Master text styles</a:t>
             </a:r>
           </a:p>
         </p:txBody>
@@ -3626,7 +3585,7 @@
           <a:p>
             <a:fld id="{5F231CAA-BCD1-4F62-B128-A2629F305B47}" type="datetimeFigureOut">
               <a:rPr lang="en-US" smtClean="0"/>
-              <a:t>10/19/2016</a:t>
+              <a:t>10/20/2016</a:t>
             </a:fld>
             <a:endParaRPr lang="en-US"/>
           </a:p>
@@ -3677,7 +3636,7 @@
     </p:spTree>
     <p:extLst>
       <p:ext uri="{BB962C8B-B14F-4D97-AF65-F5344CB8AC3E}">
-        <p14:creationId xmlns:p14="http://schemas.microsoft.com/office/powerpoint/2010/main" val="27418125"/>
+        <p14:creationId xmlns:p14="http://schemas.microsoft.com/office/powerpoint/2010/main" val="1201117421"/>
       </p:ext>
     </p:extLst>
   </p:cSld>
@@ -3720,7 +3679,7 @@
           <a:lstStyle/>
           <a:p>
             <a:r>
-              <a:rPr lang="en-US"/>
+              <a:rPr lang="en-US" smtClean="0"/>
               <a:t>Click to edit Master title style</a:t>
             </a:r>
             <a:endParaRPr lang="en-US" dirty="0"/>
@@ -3779,35 +3738,35 @@
           <a:p>
             <a:pPr lvl="0"/>
             <a:r>
-              <a:rPr lang="en-US"/>
-              <a:t>Edit Master text styles</a:t>
+              <a:rPr lang="en-US" smtClean="0"/>
+              <a:t>Click to edit Master text styles</a:t>
             </a:r>
           </a:p>
           <a:p>
             <a:pPr lvl="1"/>
             <a:r>
-              <a:rPr lang="en-US"/>
+              <a:rPr lang="en-US" smtClean="0"/>
               <a:t>Second level</a:t>
             </a:r>
           </a:p>
           <a:p>
             <a:pPr lvl="2"/>
             <a:r>
-              <a:rPr lang="en-US"/>
+              <a:rPr lang="en-US" smtClean="0"/>
               <a:t>Third level</a:t>
             </a:r>
           </a:p>
           <a:p>
             <a:pPr lvl="3"/>
             <a:r>
-              <a:rPr lang="en-US"/>
+              <a:rPr lang="en-US" smtClean="0"/>
               <a:t>Fourth level</a:t>
             </a:r>
           </a:p>
           <a:p>
             <a:pPr lvl="4"/>
             <a:r>
-              <a:rPr lang="en-US"/>
+              <a:rPr lang="en-US" smtClean="0"/>
               <a:t>Fifth level</a:t>
             </a:r>
             <a:endParaRPr lang="en-US" dirty="0"/>
@@ -3866,35 +3825,35 @@
           <a:p>
             <a:pPr lvl="0"/>
             <a:r>
-              <a:rPr lang="en-US"/>
-              <a:t>Edit Master text styles</a:t>
+              <a:rPr lang="en-US" smtClean="0"/>
+              <a:t>Click to edit Master text styles</a:t>
             </a:r>
           </a:p>
           <a:p>
             <a:pPr lvl="1"/>
             <a:r>
-              <a:rPr lang="en-US"/>
+              <a:rPr lang="en-US" smtClean="0"/>
               <a:t>Second level</a:t>
             </a:r>
           </a:p>
           <a:p>
             <a:pPr lvl="2"/>
             <a:r>
-              <a:rPr lang="en-US"/>
+              <a:rPr lang="en-US" smtClean="0"/>
               <a:t>Third level</a:t>
             </a:r>
           </a:p>
           <a:p>
             <a:pPr lvl="3"/>
             <a:r>
-              <a:rPr lang="en-US"/>
+              <a:rPr lang="en-US" smtClean="0"/>
               <a:t>Fourth level</a:t>
             </a:r>
           </a:p>
           <a:p>
             <a:pPr lvl="4"/>
             <a:r>
-              <a:rPr lang="en-US"/>
+              <a:rPr lang="en-US" smtClean="0"/>
               <a:t>Fifth level</a:t>
             </a:r>
             <a:endParaRPr lang="en-US" dirty="0"/>
@@ -3918,7 +3877,7 @@
           <a:p>
             <a:fld id="{5F231CAA-BCD1-4F62-B128-A2629F305B47}" type="datetimeFigureOut">
               <a:rPr lang="en-US" smtClean="0"/>
-              <a:t>10/19/2016</a:t>
+              <a:t>10/20/2016</a:t>
             </a:fld>
             <a:endParaRPr lang="en-US"/>
           </a:p>
@@ -3969,7 +3928,7 @@
     </p:spTree>
     <p:extLst>
       <p:ext uri="{BB962C8B-B14F-4D97-AF65-F5344CB8AC3E}">
-        <p14:creationId xmlns:p14="http://schemas.microsoft.com/office/powerpoint/2010/main" val="123696634"/>
+        <p14:creationId xmlns:p14="http://schemas.microsoft.com/office/powerpoint/2010/main" val="2588329763"/>
       </p:ext>
     </p:extLst>
   </p:cSld>
@@ -4016,7 +3975,7 @@
           </a:lstStyle>
           <a:p>
             <a:r>
-              <a:rPr lang="en-US"/>
+              <a:rPr lang="en-US" smtClean="0"/>
               <a:t>Click to edit Master title style</a:t>
             </a:r>
             <a:endParaRPr lang="en-US" dirty="0"/>
@@ -4048,10 +4007,7 @@
               <a:buNone/>
               <a:defRPr sz="2400" b="0">
                 <a:solidFill>
-                  <a:schemeClr val="bg2">
-                    <a:lumMod val="40000"/>
-                    <a:lumOff val="60000"/>
-                  </a:schemeClr>
+                  <a:schemeClr val="accent1"/>
                 </a:solidFill>
               </a:defRPr>
             </a:lvl1pPr>
@@ -4091,8 +4047,8 @@
           <a:p>
             <a:pPr lvl="0"/>
             <a:r>
-              <a:rPr lang="en-US"/>
-              <a:t>Edit Master text styles</a:t>
+              <a:rPr lang="en-US" smtClean="0"/>
+              <a:t>Click to edit Master text styles</a:t>
             </a:r>
           </a:p>
         </p:txBody>
@@ -4149,35 +4105,35 @@
           <a:p>
             <a:pPr lvl="0"/>
             <a:r>
-              <a:rPr lang="en-US"/>
-              <a:t>Edit Master text styles</a:t>
+              <a:rPr lang="en-US" smtClean="0"/>
+              <a:t>Click to edit Master text styles</a:t>
             </a:r>
           </a:p>
           <a:p>
             <a:pPr lvl="1"/>
             <a:r>
-              <a:rPr lang="en-US"/>
+              <a:rPr lang="en-US" smtClean="0"/>
               <a:t>Second level</a:t>
             </a:r>
           </a:p>
           <a:p>
             <a:pPr lvl="2"/>
             <a:r>
-              <a:rPr lang="en-US"/>
+              <a:rPr lang="en-US" smtClean="0"/>
               <a:t>Third level</a:t>
             </a:r>
           </a:p>
           <a:p>
             <a:pPr lvl="3"/>
             <a:r>
-              <a:rPr lang="en-US"/>
+              <a:rPr lang="en-US" smtClean="0"/>
               <a:t>Fourth level</a:t>
             </a:r>
           </a:p>
           <a:p>
             <a:pPr lvl="4"/>
             <a:r>
-              <a:rPr lang="en-US"/>
+              <a:rPr lang="en-US" smtClean="0"/>
               <a:t>Fifth level</a:t>
             </a:r>
             <a:endParaRPr lang="en-US" dirty="0"/>
@@ -4209,10 +4165,7 @@
               <a:buNone/>
               <a:defRPr sz="2400" b="0">
                 <a:solidFill>
-                  <a:schemeClr val="bg2">
-                    <a:lumMod val="40000"/>
-                    <a:lumOff val="60000"/>
-                  </a:schemeClr>
+                  <a:schemeClr val="accent1"/>
                 </a:solidFill>
               </a:defRPr>
             </a:lvl1pPr>
@@ -4252,8 +4205,8 @@
           <a:p>
             <a:pPr lvl="0"/>
             <a:r>
-              <a:rPr lang="en-US"/>
-              <a:t>Edit Master text styles</a:t>
+              <a:rPr lang="en-US" smtClean="0"/>
+              <a:t>Click to edit Master text styles</a:t>
             </a:r>
           </a:p>
         </p:txBody>
@@ -4310,35 +4263,35 @@
           <a:p>
             <a:pPr lvl="0"/>
             <a:r>
-              <a:rPr lang="en-US"/>
-              <a:t>Edit Master text styles</a:t>
+              <a:rPr lang="en-US" smtClean="0"/>
+              <a:t>Click to edit Master text styles</a:t>
             </a:r>
           </a:p>
           <a:p>
             <a:pPr lvl="1"/>
             <a:r>
-              <a:rPr lang="en-US"/>
+              <a:rPr lang="en-US" smtClean="0"/>
               <a:t>Second level</a:t>
             </a:r>
           </a:p>
           <a:p>
             <a:pPr lvl="2"/>
             <a:r>
-              <a:rPr lang="en-US"/>
+              <a:rPr lang="en-US" smtClean="0"/>
               <a:t>Third level</a:t>
             </a:r>
           </a:p>
           <a:p>
             <a:pPr lvl="3"/>
             <a:r>
-              <a:rPr lang="en-US"/>
+              <a:rPr lang="en-US" smtClean="0"/>
               <a:t>Fourth level</a:t>
             </a:r>
           </a:p>
           <a:p>
             <a:pPr lvl="4"/>
             <a:r>
-              <a:rPr lang="en-US"/>
+              <a:rPr lang="en-US" smtClean="0"/>
               <a:t>Fifth level</a:t>
             </a:r>
             <a:endParaRPr lang="en-US" dirty="0"/>
@@ -4362,7 +4315,7 @@
           <a:p>
             <a:fld id="{5F231CAA-BCD1-4F62-B128-A2629F305B47}" type="datetimeFigureOut">
               <a:rPr lang="en-US" smtClean="0"/>
-              <a:t>10/19/2016</a:t>
+              <a:t>10/20/2016</a:t>
             </a:fld>
             <a:endParaRPr lang="en-US"/>
           </a:p>
@@ -4413,7 +4366,7 @@
     </p:spTree>
     <p:extLst>
       <p:ext uri="{BB962C8B-B14F-4D97-AF65-F5344CB8AC3E}">
-        <p14:creationId xmlns:p14="http://schemas.microsoft.com/office/powerpoint/2010/main" val="2329776733"/>
+        <p14:creationId xmlns:p14="http://schemas.microsoft.com/office/powerpoint/2010/main" val="2009261391"/>
       </p:ext>
     </p:extLst>
   </p:cSld>
@@ -4456,7 +4409,7 @@
           <a:lstStyle/>
           <a:p>
             <a:r>
-              <a:rPr lang="en-US"/>
+              <a:rPr lang="en-US" smtClean="0"/>
               <a:t>Click to edit Master title style</a:t>
             </a:r>
             <a:endParaRPr lang="en-US" dirty="0"/>
@@ -4480,7 +4433,7 @@
           <a:p>
             <a:fld id="{5F231CAA-BCD1-4F62-B128-A2629F305B47}" type="datetimeFigureOut">
               <a:rPr lang="en-US" smtClean="0"/>
-              <a:t>10/19/2016</a:t>
+              <a:t>10/20/2016</a:t>
             </a:fld>
             <a:endParaRPr lang="en-US"/>
           </a:p>
@@ -4531,7 +4484,7 @@
     </p:spTree>
     <p:extLst>
       <p:ext uri="{BB962C8B-B14F-4D97-AF65-F5344CB8AC3E}">
-        <p14:creationId xmlns:p14="http://schemas.microsoft.com/office/powerpoint/2010/main" val="3494924657"/>
+        <p14:creationId xmlns:p14="http://schemas.microsoft.com/office/powerpoint/2010/main" val="590442061"/>
       </p:ext>
     </p:extLst>
   </p:cSld>
@@ -4575,7 +4528,7 @@
           <a:p>
             <a:fld id="{5F231CAA-BCD1-4F62-B128-A2629F305B47}" type="datetimeFigureOut">
               <a:rPr lang="en-US" smtClean="0"/>
-              <a:t>10/19/2016</a:t>
+              <a:t>10/20/2016</a:t>
             </a:fld>
             <a:endParaRPr lang="en-US"/>
           </a:p>
@@ -4626,7 +4579,7 @@
     </p:spTree>
     <p:extLst>
       <p:ext uri="{BB962C8B-B14F-4D97-AF65-F5344CB8AC3E}">
-        <p14:creationId xmlns:p14="http://schemas.microsoft.com/office/powerpoint/2010/main" val="3132056103"/>
+        <p14:creationId xmlns:p14="http://schemas.microsoft.com/office/powerpoint/2010/main" val="3777294640"/>
       </p:ext>
     </p:extLst>
   </p:cSld>
@@ -4665,7 +4618,7 @@
         </p:nvSpPr>
         <p:spPr>
           <a:xfrm>
-            <a:off x="1154953" y="1447800"/>
+            <a:off x="1154954" y="1447800"/>
             <a:ext cx="3401064" cy="1447800"/>
           </a:xfrm>
         </p:spPr>
@@ -4678,7 +4631,7 @@
           </a:lstStyle>
           <a:p>
             <a:r>
-              <a:rPr lang="en-US"/>
+              <a:rPr lang="en-US" smtClean="0"/>
               <a:t>Click to edit Master title style</a:t>
             </a:r>
             <a:endParaRPr lang="en-US" dirty="0"/>
@@ -4737,35 +4690,35 @@
           <a:p>
             <a:pPr lvl="0"/>
             <a:r>
-              <a:rPr lang="en-US"/>
-              <a:t>Edit Master text styles</a:t>
+              <a:rPr lang="en-US" smtClean="0"/>
+              <a:t>Click to edit Master text styles</a:t>
             </a:r>
           </a:p>
           <a:p>
             <a:pPr lvl="1"/>
             <a:r>
-              <a:rPr lang="en-US"/>
+              <a:rPr lang="en-US" smtClean="0"/>
               <a:t>Second level</a:t>
             </a:r>
           </a:p>
           <a:p>
             <a:pPr lvl="2"/>
             <a:r>
-              <a:rPr lang="en-US"/>
+              <a:rPr lang="en-US" smtClean="0"/>
               <a:t>Third level</a:t>
             </a:r>
           </a:p>
           <a:p>
             <a:pPr lvl="3"/>
             <a:r>
-              <a:rPr lang="en-US"/>
+              <a:rPr lang="en-US" smtClean="0"/>
               <a:t>Fourth level</a:t>
             </a:r>
           </a:p>
           <a:p>
             <a:pPr lvl="4"/>
             <a:r>
-              <a:rPr lang="en-US"/>
+              <a:rPr lang="en-US" smtClean="0"/>
               <a:t>Fifth level</a:t>
             </a:r>
             <a:endParaRPr lang="en-US" dirty="0"/>
@@ -4784,7 +4737,7 @@
         </p:nvSpPr>
         <p:spPr>
           <a:xfrm>
-            <a:off x="1154953" y="3129280"/>
+            <a:off x="1154954" y="3129280"/>
             <a:ext cx="3401063" cy="2895599"/>
           </a:xfrm>
         </p:spPr>
@@ -4831,8 +4784,8 @@
           <a:p>
             <a:pPr lvl="0"/>
             <a:r>
-              <a:rPr lang="en-US"/>
-              <a:t>Edit Master text styles</a:t>
+              <a:rPr lang="en-US" smtClean="0"/>
+              <a:t>Click to edit Master text styles</a:t>
             </a:r>
           </a:p>
         </p:txBody>
@@ -4854,7 +4807,7 @@
           <a:p>
             <a:fld id="{5F231CAA-BCD1-4F62-B128-A2629F305B47}" type="datetimeFigureOut">
               <a:rPr lang="en-US" smtClean="0"/>
-              <a:t>10/19/2016</a:t>
+              <a:t>10/20/2016</a:t>
             </a:fld>
             <a:endParaRPr lang="en-US"/>
           </a:p>
@@ -4905,7 +4858,7 @@
     </p:spTree>
     <p:extLst>
       <p:ext uri="{BB962C8B-B14F-4D97-AF65-F5344CB8AC3E}">
-        <p14:creationId xmlns:p14="http://schemas.microsoft.com/office/powerpoint/2010/main" val="848684216"/>
+        <p14:creationId xmlns:p14="http://schemas.microsoft.com/office/powerpoint/2010/main" val="2072166850"/>
       </p:ext>
     </p:extLst>
   </p:cSld>
@@ -4959,7 +4912,7 @@
           </a:lstStyle>
           <a:p>
             <a:r>
-              <a:rPr lang="en-US"/>
+              <a:rPr lang="en-US" smtClean="0"/>
               <a:t>Click to edit Master title style</a:t>
             </a:r>
             <a:endParaRPr lang="en-US" dirty="0"/>
@@ -5038,7 +4991,7 @@
           </a:lstStyle>
           <a:p>
             <a:r>
-              <a:rPr lang="en-US"/>
+              <a:rPr lang="en-US" smtClean="0"/>
               <a:t>Click icon to add picture</a:t>
             </a:r>
             <a:endParaRPr lang="en-US" dirty="0"/>
@@ -5106,8 +5059,8 @@
           <a:p>
             <a:pPr lvl="0"/>
             <a:r>
-              <a:rPr lang="en-US"/>
-              <a:t>Edit Master text styles</a:t>
+              <a:rPr lang="en-US" smtClean="0"/>
+              <a:t>Click to edit Master text styles</a:t>
             </a:r>
           </a:p>
         </p:txBody>
@@ -5129,7 +5082,7 @@
           <a:p>
             <a:fld id="{5F231CAA-BCD1-4F62-B128-A2629F305B47}" type="datetimeFigureOut">
               <a:rPr lang="en-US" smtClean="0"/>
-              <a:t>10/19/2016</a:t>
+              <a:t>10/20/2016</a:t>
             </a:fld>
             <a:endParaRPr lang="en-US"/>
           </a:p>
@@ -5180,7 +5133,7 @@
     </p:spTree>
     <p:extLst>
       <p:ext uri="{BB962C8B-B14F-4D97-AF65-F5344CB8AC3E}">
-        <p14:creationId xmlns:p14="http://schemas.microsoft.com/office/powerpoint/2010/main" val="541526841"/>
+        <p14:creationId xmlns:p14="http://schemas.microsoft.com/office/powerpoint/2010/main" val="3281499618"/>
       </p:ext>
     </p:extLst>
   </p:cSld>
@@ -5288,22 +5241,22 @@
             <a:gsLst>
               <a:gs pos="0">
                 <a:schemeClr val="bg2">
-                  <a:lumMod val="60000"/>
-                  <a:lumOff val="40000"/>
+                  <a:lumMod val="40000"/>
+                  <a:lumOff val="60000"/>
                   <a:alpha val="7000"/>
                 </a:schemeClr>
               </a:gs>
               <a:gs pos="69000">
                 <a:schemeClr val="bg2">
-                  <a:lumMod val="60000"/>
-                  <a:lumOff val="40000"/>
+                  <a:lumMod val="40000"/>
+                  <a:lumOff val="60000"/>
                   <a:alpha val="0"/>
                 </a:schemeClr>
               </a:gs>
               <a:gs pos="36000">
                 <a:schemeClr val="bg2">
-                  <a:lumMod val="60000"/>
-                  <a:lumOff val="40000"/>
+                  <a:lumMod val="40000"/>
+                  <a:lumOff val="60000"/>
                   <a:alpha val="6000"/>
                 </a:schemeClr>
               </a:gs>
@@ -5383,7 +5336,7 @@
         </p:blipFill>
         <p:spPr>
           <a:xfrm>
-            <a:off x="8605878" y="6096000"/>
+            <a:off x="8609012" y="6096000"/>
             <a:ext cx="993734" cy="762000"/>
           </a:xfrm>
           <a:prstGeom prst="rect">
@@ -5453,7 +5406,7 @@
           <a:lstStyle/>
           <a:p>
             <a:r>
-              <a:rPr lang="en-US"/>
+              <a:rPr lang="en-US" smtClean="0"/>
               <a:t>Click to edit Master title style</a:t>
             </a:r>
             <a:endParaRPr lang="en-US" dirty="0"/>
@@ -5487,35 +5440,35 @@
           <a:p>
             <a:pPr lvl="0"/>
             <a:r>
-              <a:rPr lang="en-US"/>
-              <a:t>Edit Master text styles</a:t>
+              <a:rPr lang="en-US" smtClean="0"/>
+              <a:t>Click to edit Master text styles</a:t>
             </a:r>
           </a:p>
           <a:p>
             <a:pPr lvl="1"/>
             <a:r>
-              <a:rPr lang="en-US"/>
+              <a:rPr lang="en-US" smtClean="0"/>
               <a:t>Second level</a:t>
             </a:r>
           </a:p>
           <a:p>
             <a:pPr lvl="2"/>
             <a:r>
-              <a:rPr lang="en-US"/>
+              <a:rPr lang="en-US" smtClean="0"/>
               <a:t>Third level</a:t>
             </a:r>
           </a:p>
           <a:p>
             <a:pPr lvl="3"/>
             <a:r>
-              <a:rPr lang="en-US"/>
+              <a:rPr lang="en-US" smtClean="0"/>
               <a:t>Fourth level</a:t>
             </a:r>
           </a:p>
           <a:p>
             <a:pPr lvl="4"/>
             <a:r>
-              <a:rPr lang="en-US"/>
+              <a:rPr lang="en-US" smtClean="0"/>
               <a:t>Fifth level</a:t>
             </a:r>
             <a:endParaRPr lang="en-US" dirty="0"/>
@@ -5558,7 +5511,7 @@
           <a:p>
             <a:fld id="{5F231CAA-BCD1-4F62-B128-A2629F305B47}" type="datetimeFigureOut">
               <a:rPr lang="en-US" smtClean="0"/>
-              <a:t>10/19/2016</a:t>
+              <a:t>10/20/2016</a:t>
             </a:fld>
             <a:endParaRPr lang="en-US"/>
           </a:p>
@@ -5612,7 +5565,7 @@
             <p:ph type="sldNum" sz="quarter" idx="4"/>
           </p:nvPr>
         </p:nvSpPr>
-        <p:spPr bwMode="gray">
+        <p:spPr>
           <a:xfrm>
             <a:off x="10352540" y="295729"/>
             <a:ext cx="838199" cy="767687"/>
@@ -5646,29 +5599,29 @@
     </p:spTree>
     <p:extLst>
       <p:ext uri="{BB962C8B-B14F-4D97-AF65-F5344CB8AC3E}">
-        <p14:creationId xmlns:p14="http://schemas.microsoft.com/office/powerpoint/2010/main" val="1334835404"/>
+        <p14:creationId xmlns:p14="http://schemas.microsoft.com/office/powerpoint/2010/main" val="3075526597"/>
       </p:ext>
     </p:extLst>
   </p:cSld>
   <p:clrMap bg1="dk1" tx1="lt1" bg2="dk2" tx2="lt2" accent1="accent1" accent2="accent2" accent3="accent3" accent4="accent4" accent5="accent5" accent6="accent6" hlink="hlink" folHlink="folHlink"/>
   <p:sldLayoutIdLst>
-    <p:sldLayoutId id="2147483661" r:id="rId1"/>
-    <p:sldLayoutId id="2147483662" r:id="rId2"/>
-    <p:sldLayoutId id="2147483663" r:id="rId3"/>
-    <p:sldLayoutId id="2147483664" r:id="rId4"/>
-    <p:sldLayoutId id="2147483665" r:id="rId5"/>
-    <p:sldLayoutId id="2147483666" r:id="rId6"/>
-    <p:sldLayoutId id="2147483667" r:id="rId7"/>
-    <p:sldLayoutId id="2147483668" r:id="rId8"/>
-    <p:sldLayoutId id="2147483669" r:id="rId9"/>
-    <p:sldLayoutId id="2147483670" r:id="rId10"/>
-    <p:sldLayoutId id="2147483671" r:id="rId11"/>
-    <p:sldLayoutId id="2147483672" r:id="rId12"/>
-    <p:sldLayoutId id="2147483673" r:id="rId13"/>
-    <p:sldLayoutId id="2147483674" r:id="rId14"/>
-    <p:sldLayoutId id="2147483675" r:id="rId15"/>
-    <p:sldLayoutId id="2147483676" r:id="rId16"/>
-    <p:sldLayoutId id="2147483677" r:id="rId17"/>
+    <p:sldLayoutId id="2147483679" r:id="rId1"/>
+    <p:sldLayoutId id="2147483680" r:id="rId2"/>
+    <p:sldLayoutId id="2147483681" r:id="rId3"/>
+    <p:sldLayoutId id="2147483682" r:id="rId4"/>
+    <p:sldLayoutId id="2147483683" r:id="rId5"/>
+    <p:sldLayoutId id="2147483684" r:id="rId6"/>
+    <p:sldLayoutId id="2147483685" r:id="rId7"/>
+    <p:sldLayoutId id="2147483686" r:id="rId8"/>
+    <p:sldLayoutId id="2147483687" r:id="rId9"/>
+    <p:sldLayoutId id="2147483688" r:id="rId10"/>
+    <p:sldLayoutId id="2147483689" r:id="rId11"/>
+    <p:sldLayoutId id="2147483690" r:id="rId12"/>
+    <p:sldLayoutId id="2147483691" r:id="rId13"/>
+    <p:sldLayoutId id="2147483692" r:id="rId14"/>
+    <p:sldLayoutId id="2147483693" r:id="rId15"/>
+    <p:sldLayoutId id="2147483694" r:id="rId16"/>
+    <p:sldLayoutId id="2147483695" r:id="rId17"/>
   </p:sldLayoutIdLst>
   <p:txStyles>
     <p:titleStyle>
@@ -5752,10 +5705,7 @@
           <a:spcPts val="0"/>
         </a:spcAft>
         <a:buClr>
-          <a:schemeClr val="bg2">
-            <a:lumMod val="40000"/>
-            <a:lumOff val="60000"/>
-          </a:schemeClr>
+          <a:schemeClr val="accent1"/>
         </a:buClr>
         <a:buSzPct val="80000"/>
         <a:buFont typeface="Wingdings 3" charset="2"/>
@@ -5777,10 +5727,7 @@
           <a:spcPts val="0"/>
         </a:spcAft>
         <a:buClr>
-          <a:schemeClr val="bg2">
-            <a:lumMod val="40000"/>
-            <a:lumOff val="60000"/>
-          </a:schemeClr>
+          <a:schemeClr val="accent1"/>
         </a:buClr>
         <a:buSzPct val="80000"/>
         <a:buFont typeface="Wingdings 3" charset="2"/>
@@ -5802,10 +5749,7 @@
           <a:spcPts val="0"/>
         </a:spcAft>
         <a:buClr>
-          <a:schemeClr val="bg2">
-            <a:lumMod val="40000"/>
-            <a:lumOff val="60000"/>
-          </a:schemeClr>
+          <a:schemeClr val="accent1"/>
         </a:buClr>
         <a:buSzPct val="80000"/>
         <a:buFont typeface="Wingdings 3" charset="2"/>
@@ -5827,10 +5771,7 @@
           <a:spcPts val="0"/>
         </a:spcAft>
         <a:buClr>
-          <a:schemeClr val="bg2">
-            <a:lumMod val="40000"/>
-            <a:lumOff val="60000"/>
-          </a:schemeClr>
+          <a:schemeClr val="accent1"/>
         </a:buClr>
         <a:buSzPct val="80000"/>
         <a:buFont typeface="Wingdings 3" charset="2"/>
@@ -5852,10 +5793,7 @@
           <a:spcPts val="0"/>
         </a:spcAft>
         <a:buClr>
-          <a:schemeClr val="bg2">
-            <a:lumMod val="40000"/>
-            <a:lumOff val="60000"/>
-          </a:schemeClr>
+          <a:schemeClr val="accent1"/>
         </a:buClr>
         <a:buSzPct val="80000"/>
         <a:buFont typeface="Wingdings 3" charset="2"/>
@@ -5869,7 +5807,7 @@
           <a:cs typeface="+mj-cs"/>
         </a:defRPr>
       </a:lvl5pPr>
-      <a:lvl6pPr marL="2506000" indent="-228600" algn="l" defTabSz="457200" rtl="0" eaLnBrk="1" latinLnBrk="0" hangingPunct="1">
+      <a:lvl6pPr marL="2514600" indent="-228600" algn="l" defTabSz="457200" rtl="0" eaLnBrk="1" latinLnBrk="0" hangingPunct="1">
         <a:spcBef>
           <a:spcPts val="1000"/>
         </a:spcBef>
@@ -5877,10 +5815,7 @@
           <a:spcPts val="0"/>
         </a:spcAft>
         <a:buClr>
-          <a:schemeClr val="bg2">
-            <a:lumMod val="40000"/>
-            <a:lumOff val="60000"/>
-          </a:schemeClr>
+          <a:schemeClr val="accent1"/>
         </a:buClr>
         <a:buSzPct val="80000"/>
         <a:buFont typeface="Wingdings 3" charset="2"/>
@@ -5902,10 +5837,7 @@
           <a:spcPts val="0"/>
         </a:spcAft>
         <a:buClr>
-          <a:schemeClr val="bg2">
-            <a:lumMod val="40000"/>
-            <a:lumOff val="60000"/>
-          </a:schemeClr>
+          <a:schemeClr val="accent1"/>
         </a:buClr>
         <a:buSzPct val="80000"/>
         <a:buFont typeface="Wingdings 3" charset="2"/>
@@ -5927,10 +5859,7 @@
           <a:spcPts val="0"/>
         </a:spcAft>
         <a:buClr>
-          <a:schemeClr val="bg2">
-            <a:lumMod val="40000"/>
-            <a:lumOff val="60000"/>
-          </a:schemeClr>
+          <a:schemeClr val="accent1"/>
         </a:buClr>
         <a:buSzPct val="80000"/>
         <a:buFont typeface="Wingdings 3" charset="2"/>
@@ -5952,10 +5881,7 @@
           <a:spcPts val="0"/>
         </a:spcAft>
         <a:buClr>
-          <a:schemeClr val="bg2">
-            <a:lumMod val="40000"/>
-            <a:lumOff val="60000"/>
-          </a:schemeClr>
+          <a:schemeClr val="accent1"/>
         </a:buClr>
         <a:buSzPct val="80000"/>
         <a:buFont typeface="Wingdings 3" charset="2"/>
@@ -6096,20 +6022,16 @@
             <p:ph type="title"/>
           </p:nvPr>
         </p:nvSpPr>
-        <p:spPr>
-          <a:xfrm>
-            <a:off x="646111" y="452718"/>
-            <a:ext cx="9404723" cy="1400530"/>
-          </a:xfrm>
-        </p:spPr>
+        <p:spPr/>
         <p:txBody>
           <a:bodyPr/>
           <a:lstStyle/>
           <a:p>
             <a:r>
-              <a:rPr lang="en-US" dirty="0"/>
+              <a:rPr lang="en-US" dirty="0" smtClean="0"/>
               <a:t>Team 23</a:t>
             </a:r>
+            <a:endParaRPr lang="en-US" dirty="0"/>
           </a:p>
         </p:txBody>
       </p:sp>
@@ -6124,7 +6046,7 @@
           </p:nvPr>
         </p:nvPicPr>
         <p:blipFill>
-          <a:blip r:embed="rId2">
+          <a:blip r:embed="rId2" cstate="print">
             <a:extLst>
               <a:ext uri="{28A0092B-C50C-407E-A947-70E740481C1C}">
                 <a14:useLocalDpi xmlns:a14="http://schemas.microsoft.com/office/drawing/2010/main" val="0"/>
@@ -6137,7 +6059,7 @@
         </p:blipFill>
         <p:spPr>
           <a:xfrm>
-            <a:off x="838200" y="1466019"/>
+            <a:off x="838200" y="452718"/>
             <a:ext cx="6616264" cy="3858936"/>
           </a:xfrm>
         </p:spPr>
@@ -6151,7 +6073,7 @@
         <p:spPr>
           <a:xfrm>
             <a:off x="7826928" y="1260746"/>
-            <a:ext cx="3526872" cy="5355312"/>
+            <a:ext cx="3526872" cy="5632311"/>
           </a:xfrm>
           <a:prstGeom prst="rect">
             <a:avLst/>
@@ -6172,7 +6094,15 @@
           <a:p>
             <a:r>
               <a:rPr lang="en-US" dirty="0"/>
-              <a:t>        To be Earth’s most drink</a:t>
+              <a:t>        </a:t>
+            </a:r>
+            <a:r>
+              <a:rPr lang="en-US" dirty="0" smtClean="0"/>
+              <a:t>To </a:t>
+            </a:r>
+            <a:r>
+              <a:rPr lang="en-US" dirty="0"/>
+              <a:t>be Earth’s most drink</a:t>
             </a:r>
           </a:p>
           <a:p>
@@ -6184,8 +6114,19 @@
           <a:p>
             <a:r>
               <a:rPr lang="en-US" dirty="0"/>
-              <a:t>        recipes</a:t>
-            </a:r>
+              <a:t>        </a:t>
+            </a:r>
+            <a:r>
+              <a:rPr lang="en-US" dirty="0" smtClean="0"/>
+              <a:t>a multitude of recipes to</a:t>
+            </a:r>
+          </a:p>
+          <a:p>
+            <a:r>
+              <a:rPr lang="en-US" dirty="0" smtClean="0"/>
+              <a:t>        our users</a:t>
+            </a:r>
+            <a:endParaRPr lang="en-US" dirty="0"/>
           </a:p>
           <a:p>
             <a:endParaRPr lang="en-US" dirty="0"/>
@@ -6280,6 +6221,13 @@
   <p:clrMapOvr>
     <a:masterClrMapping/>
   </p:clrMapOvr>
+  <p:timing>
+    <p:tnLst>
+      <p:par>
+        <p:cTn id="1" dur="indefinite" restart="never" nodeType="tmRoot"/>
+      </p:par>
+    </p:tnLst>
+  </p:timing>
 </p:sld>
 </file>
 
@@ -6294,34 +6242,34 @@
         <a:sysClr val="window" lastClr="FFFFFF"/>
       </a:lt1>
       <a:dk2>
-        <a:srgbClr val="1E5155"/>
+        <a:srgbClr val="0E5580"/>
       </a:dk2>
       <a:lt2>
         <a:srgbClr val="EBEBEB"/>
       </a:lt2>
       <a:accent1>
-        <a:srgbClr val="B01513"/>
+        <a:srgbClr val="ACD433"/>
       </a:accent1>
       <a:accent2>
-        <a:srgbClr val="EA6312"/>
+        <a:srgbClr val="E6C133"/>
       </a:accent2>
       <a:accent3>
-        <a:srgbClr val="E6B729"/>
+        <a:srgbClr val="EF7A24"/>
       </a:accent3>
       <a:accent4>
-        <a:srgbClr val="6AAC90"/>
+        <a:srgbClr val="5AA0F5"/>
       </a:accent4>
       <a:accent5>
-        <a:srgbClr val="54849A"/>
+        <a:srgbClr val="75CEEC"/>
       </a:accent5>
       <a:accent6>
-        <a:srgbClr val="9E5E9B"/>
+        <a:srgbClr val="65D6A0"/>
       </a:accent6>
       <a:hlink>
-        <a:srgbClr val="58C1BA"/>
+        <a:srgbClr val="C4E46E"/>
       </a:hlink>
       <a:folHlink>
-        <a:srgbClr val="9DFFCB"/>
+        <a:srgbClr val="BDE0FB"/>
       </a:folHlink>
     </a:clrScheme>
     <a:fontScheme name="Ion">
@@ -6497,19 +6445,18 @@
           <a:gsLst>
             <a:gs pos="0">
               <a:schemeClr val="phClr">
-                <a:tint val="97000"/>
-                <a:hueMod val="88000"/>
-                <a:satMod val="130000"/>
-                <a:lumMod val="124000"/>
+                <a:tint val="92000"/>
+                <a:hueMod val="96000"/>
+                <a:satMod val="128000"/>
+                <a:lumMod val="114000"/>
               </a:schemeClr>
             </a:gs>
             <a:gs pos="100000">
               <a:schemeClr val="phClr">
-                <a:tint val="96000"/>
-                <a:shade val="88000"/>
-                <a:hueMod val="108000"/>
-                <a:satMod val="164000"/>
-                <a:lumMod val="76000"/>
+                <a:shade val="62000"/>
+                <a:hueMod val="100000"/>
+                <a:satMod val="134000"/>
+                <a:lumMod val="56000"/>
               </a:schemeClr>
             </a:gs>
           </a:gsLst>
@@ -6521,16 +6468,16 @@
           <a:blip xmlns:r="http://schemas.openxmlformats.org/officeDocument/2006/relationships" r:embed="rId1">
             <a:duotone>
               <a:schemeClr val="phClr">
-                <a:shade val="69000"/>
+                <a:shade val="62000"/>
                 <a:hueMod val="108000"/>
                 <a:satMod val="164000"/>
-                <a:lumMod val="74000"/>
+                <a:lumMod val="69000"/>
               </a:schemeClr>
               <a:schemeClr val="phClr">
                 <a:tint val="96000"/>
-                <a:hueMod val="88000"/>
-                <a:satMod val="140000"/>
-                <a:lumMod val="132000"/>
+                <a:hueMod val="90000"/>
+                <a:satMod val="130000"/>
+                <a:lumMod val="134000"/>
               </a:schemeClr>
             </a:duotone>
           </a:blip>
@@ -6543,7 +6490,7 @@
   <a:extraClrSchemeLst/>
   <a:extLst>
     <a:ext uri="{05A4C25C-085E-4340-85A3-A5531E510DB2}">
-      <thm15:themeFamily xmlns:thm15="http://schemas.microsoft.com/office/thememl/2012/main" name="Ion" id="{B8441ADB-2E43-4AF7-B97A-BD870242C6A8}" vid="{292E63A9-BB86-4E3D-B92A-7223C6510D2E}"/>
+      <thm15:themeFamily xmlns:thm15="http://schemas.microsoft.com/office/thememl/2012/main" name="Ion" id="{B8441ADB-2E43-4AF7-B97A-BD870242C6A8}" vid="{BACC050B-8757-4460-95D8-E37B46A6B421}"/>
     </a:ext>
   </a:extLst>
 </a:theme>

--- a/Team 23 Status Update.pptx
+++ b/Team 23 Status Update.pptx
@@ -154,7 +154,7 @@
           </a:lstStyle>
           <a:p>
             <a:r>
-              <a:rPr lang="en-US" smtClean="0"/>
+              <a:rPr lang="en-US"/>
               <a:t>Click to edit Master title style</a:t>
             </a:r>
             <a:endParaRPr lang="en-US" dirty="0"/>
@@ -271,7 +271,7 @@
           </a:lstStyle>
           <a:p>
             <a:r>
-              <a:rPr lang="en-US" smtClean="0"/>
+              <a:rPr lang="en-US"/>
               <a:t>Click to edit Master subtitle style</a:t>
             </a:r>
             <a:endParaRPr lang="en-US" dirty="0"/>
@@ -400,7 +400,7 @@
           </a:lstStyle>
           <a:p>
             <a:r>
-              <a:rPr lang="en-US" smtClean="0"/>
+              <a:rPr lang="en-US"/>
               <a:t>Click to edit Master title style</a:t>
             </a:r>
             <a:endParaRPr lang="en-US" dirty="0"/>
@@ -479,7 +479,7 @@
           </a:lstStyle>
           <a:p>
             <a:r>
-              <a:rPr lang="en-US" smtClean="0"/>
+              <a:rPr lang="en-US"/>
               <a:t>Click icon to add picture</a:t>
             </a:r>
             <a:endParaRPr lang="en-US" dirty="0"/>
@@ -547,7 +547,7 @@
           <a:p>
             <a:pPr lvl="0"/>
             <a:r>
-              <a:rPr lang="en-US" smtClean="0"/>
+              <a:rPr lang="en-US"/>
               <a:t>Click to edit Master text styles</a:t>
             </a:r>
           </a:p>
@@ -673,7 +673,7 @@
           </a:lstStyle>
           <a:p>
             <a:r>
-              <a:rPr lang="en-US" smtClean="0"/>
+              <a:rPr lang="en-US"/>
               <a:t>Click to edit Master title style</a:t>
             </a:r>
             <a:endParaRPr lang="en-US" dirty="0"/>
@@ -741,7 +741,7 @@
           <a:p>
             <a:pPr lvl="0"/>
             <a:r>
-              <a:rPr lang="en-US" smtClean="0"/>
+              <a:rPr lang="en-US"/>
               <a:t>Click to edit Master text styles</a:t>
             </a:r>
           </a:p>
@@ -867,7 +867,7 @@
           </a:lstStyle>
           <a:p>
             <a:r>
-              <a:rPr lang="en-US" smtClean="0"/>
+              <a:rPr lang="en-US"/>
               <a:t>Click to edit Master title style</a:t>
             </a:r>
             <a:endParaRPr lang="en-US" dirty="0"/>
@@ -942,7 +942,7 @@
           <a:p>
             <a:pPr lvl="0"/>
             <a:r>
-              <a:rPr lang="en-US" smtClean="0"/>
+              <a:rPr lang="en-US"/>
               <a:t>Click to edit Master text styles</a:t>
             </a:r>
           </a:p>
@@ -1009,7 +1009,7 @@
           <a:p>
             <a:pPr lvl="0"/>
             <a:r>
-              <a:rPr lang="en-US" smtClean="0"/>
+              <a:rPr lang="en-US"/>
               <a:t>Click to edit Master text styles</a:t>
             </a:r>
           </a:p>
@@ -1223,7 +1223,7 @@
           </a:lstStyle>
           <a:p>
             <a:r>
-              <a:rPr lang="en-US" smtClean="0"/>
+              <a:rPr lang="en-US"/>
               <a:t>Click to edit Master title style</a:t>
             </a:r>
             <a:endParaRPr lang="en-US" dirty="0"/>
@@ -1341,7 +1341,7 @@
           <a:p>
             <a:pPr lvl="0"/>
             <a:r>
-              <a:rPr lang="en-US" smtClean="0"/>
+              <a:rPr lang="en-US"/>
               <a:t>Click to edit Master text styles</a:t>
             </a:r>
           </a:p>
@@ -1462,7 +1462,7 @@
           </a:lstStyle>
           <a:p>
             <a:r>
-              <a:rPr lang="en-US" smtClean="0"/>
+              <a:rPr lang="en-US"/>
               <a:t>Click to edit Master title style</a:t>
             </a:r>
             <a:endParaRPr lang="en-US" dirty="0"/>
@@ -1534,7 +1534,7 @@
           <a:p>
             <a:pPr lvl="0"/>
             <a:r>
-              <a:rPr lang="en-US" smtClean="0"/>
+              <a:rPr lang="en-US"/>
               <a:t>Click to edit Master text styles</a:t>
             </a:r>
           </a:p>
@@ -1601,7 +1601,7 @@
           <a:p>
             <a:pPr lvl="0"/>
             <a:r>
-              <a:rPr lang="en-US" smtClean="0"/>
+              <a:rPr lang="en-US"/>
               <a:t>Click to edit Master text styles</a:t>
             </a:r>
           </a:p>
@@ -1672,7 +1672,7 @@
           <a:p>
             <a:pPr lvl="0"/>
             <a:r>
-              <a:rPr lang="en-US" smtClean="0"/>
+              <a:rPr lang="en-US"/>
               <a:t>Click to edit Master text styles</a:t>
             </a:r>
           </a:p>
@@ -1739,7 +1739,7 @@
           <a:p>
             <a:pPr lvl="0"/>
             <a:r>
-              <a:rPr lang="en-US" smtClean="0"/>
+              <a:rPr lang="en-US"/>
               <a:t>Click to edit Master text styles</a:t>
             </a:r>
           </a:p>
@@ -1810,7 +1810,7 @@
           <a:p>
             <a:pPr lvl="0"/>
             <a:r>
-              <a:rPr lang="en-US" smtClean="0"/>
+              <a:rPr lang="en-US"/>
               <a:t>Click to edit Master text styles</a:t>
             </a:r>
           </a:p>
@@ -1877,7 +1877,7 @@
           <a:p>
             <a:pPr lvl="0"/>
             <a:r>
-              <a:rPr lang="en-US" smtClean="0"/>
+              <a:rPr lang="en-US"/>
               <a:t>Click to edit Master text styles</a:t>
             </a:r>
           </a:p>
@@ -2072,7 +2072,7 @@
           </a:lstStyle>
           <a:p>
             <a:r>
-              <a:rPr lang="en-US" smtClean="0"/>
+              <a:rPr lang="en-US"/>
               <a:t>Click to edit Master title style</a:t>
             </a:r>
             <a:endParaRPr lang="en-US" dirty="0"/>
@@ -2144,7 +2144,7 @@
           <a:p>
             <a:pPr lvl="0"/>
             <a:r>
-              <a:rPr lang="en-US" smtClean="0"/>
+              <a:rPr lang="en-US"/>
               <a:t>Click to edit Master text styles</a:t>
             </a:r>
           </a:p>
@@ -2222,7 +2222,7 @@
           </a:lstStyle>
           <a:p>
             <a:r>
-              <a:rPr lang="en-US" smtClean="0"/>
+              <a:rPr lang="en-US"/>
               <a:t>Click icon to add picture</a:t>
             </a:r>
             <a:endParaRPr lang="en-US" dirty="0"/>
@@ -2290,7 +2290,7 @@
           <a:p>
             <a:pPr lvl="0"/>
             <a:r>
-              <a:rPr lang="en-US" smtClean="0"/>
+              <a:rPr lang="en-US"/>
               <a:t>Click to edit Master text styles</a:t>
             </a:r>
           </a:p>
@@ -2361,7 +2361,7 @@
           <a:p>
             <a:pPr lvl="0"/>
             <a:r>
-              <a:rPr lang="en-US" smtClean="0"/>
+              <a:rPr lang="en-US"/>
               <a:t>Click to edit Master text styles</a:t>
             </a:r>
           </a:p>
@@ -2439,7 +2439,7 @@
           </a:lstStyle>
           <a:p>
             <a:r>
-              <a:rPr lang="en-US" smtClean="0"/>
+              <a:rPr lang="en-US"/>
               <a:t>Click icon to add picture</a:t>
             </a:r>
             <a:endParaRPr lang="en-US" dirty="0"/>
@@ -2507,7 +2507,7 @@
           <a:p>
             <a:pPr lvl="0"/>
             <a:r>
-              <a:rPr lang="en-US" smtClean="0"/>
+              <a:rPr lang="en-US"/>
               <a:t>Click to edit Master text styles</a:t>
             </a:r>
           </a:p>
@@ -2578,7 +2578,7 @@
           <a:p>
             <a:pPr lvl="0"/>
             <a:r>
-              <a:rPr lang="en-US" smtClean="0"/>
+              <a:rPr lang="en-US"/>
               <a:t>Click to edit Master text styles</a:t>
             </a:r>
           </a:p>
@@ -2656,7 +2656,7 @@
           </a:lstStyle>
           <a:p>
             <a:r>
-              <a:rPr lang="en-US" smtClean="0"/>
+              <a:rPr lang="en-US"/>
               <a:t>Click icon to add picture</a:t>
             </a:r>
             <a:endParaRPr lang="en-US" dirty="0"/>
@@ -2724,7 +2724,7 @@
           <a:p>
             <a:pPr lvl="0"/>
             <a:r>
-              <a:rPr lang="en-US" smtClean="0"/>
+              <a:rPr lang="en-US"/>
               <a:t>Click to edit Master text styles</a:t>
             </a:r>
           </a:p>
@@ -2915,7 +2915,7 @@
           <a:lstStyle/>
           <a:p>
             <a:r>
-              <a:rPr lang="en-US" smtClean="0"/>
+              <a:rPr lang="en-US"/>
               <a:t>Click to edit Master title style</a:t>
             </a:r>
             <a:endParaRPr lang="en-US" dirty="0"/>
@@ -2939,35 +2939,35 @@
           <a:p>
             <a:pPr lvl="0"/>
             <a:r>
-              <a:rPr lang="en-US" smtClean="0"/>
+              <a:rPr lang="en-US"/>
               <a:t>Click to edit Master text styles</a:t>
             </a:r>
           </a:p>
           <a:p>
             <a:pPr lvl="1"/>
             <a:r>
-              <a:rPr lang="en-US" smtClean="0"/>
+              <a:rPr lang="en-US"/>
               <a:t>Second level</a:t>
             </a:r>
           </a:p>
           <a:p>
             <a:pPr lvl="2"/>
             <a:r>
-              <a:rPr lang="en-US" smtClean="0"/>
+              <a:rPr lang="en-US"/>
               <a:t>Third level</a:t>
             </a:r>
           </a:p>
           <a:p>
             <a:pPr lvl="3"/>
             <a:r>
-              <a:rPr lang="en-US" smtClean="0"/>
+              <a:rPr lang="en-US"/>
               <a:t>Fourth level</a:t>
             </a:r>
           </a:p>
           <a:p>
             <a:pPr lvl="4"/>
             <a:r>
-              <a:rPr lang="en-US" smtClean="0"/>
+              <a:rPr lang="en-US"/>
               <a:t>Fifth level</a:t>
             </a:r>
             <a:endParaRPr lang="en-US" dirty="0"/>
@@ -3090,7 +3090,7 @@
           <a:lstStyle/>
           <a:p>
             <a:r>
-              <a:rPr lang="en-US" smtClean="0"/>
+              <a:rPr lang="en-US"/>
               <a:t>Click to edit Master title style</a:t>
             </a:r>
             <a:endParaRPr lang="en-US" dirty="0"/>
@@ -3119,35 +3119,35 @@
           <a:p>
             <a:pPr lvl="0"/>
             <a:r>
-              <a:rPr lang="en-US" smtClean="0"/>
+              <a:rPr lang="en-US"/>
               <a:t>Click to edit Master text styles</a:t>
             </a:r>
           </a:p>
           <a:p>
             <a:pPr lvl="1"/>
             <a:r>
-              <a:rPr lang="en-US" smtClean="0"/>
+              <a:rPr lang="en-US"/>
               <a:t>Second level</a:t>
             </a:r>
           </a:p>
           <a:p>
             <a:pPr lvl="2"/>
             <a:r>
-              <a:rPr lang="en-US" smtClean="0"/>
+              <a:rPr lang="en-US"/>
               <a:t>Third level</a:t>
             </a:r>
           </a:p>
           <a:p>
             <a:pPr lvl="3"/>
             <a:r>
-              <a:rPr lang="en-US" smtClean="0"/>
+              <a:rPr lang="en-US"/>
               <a:t>Fourth level</a:t>
             </a:r>
           </a:p>
           <a:p>
             <a:pPr lvl="4"/>
             <a:r>
-              <a:rPr lang="en-US" smtClean="0"/>
+              <a:rPr lang="en-US"/>
               <a:t>Fifth level</a:t>
             </a:r>
             <a:endParaRPr lang="en-US" dirty="0"/>
@@ -3265,7 +3265,7 @@
           <a:lstStyle/>
           <a:p>
             <a:r>
-              <a:rPr lang="en-US" smtClean="0"/>
+              <a:rPr lang="en-US"/>
               <a:t>Click to edit Master title style</a:t>
             </a:r>
             <a:endParaRPr lang="en-US" dirty="0"/>
@@ -3289,35 +3289,35 @@
           <a:p>
             <a:pPr lvl="0"/>
             <a:r>
-              <a:rPr lang="en-US" smtClean="0"/>
+              <a:rPr lang="en-US"/>
               <a:t>Click to edit Master text styles</a:t>
             </a:r>
           </a:p>
           <a:p>
             <a:pPr lvl="1"/>
             <a:r>
-              <a:rPr lang="en-US" smtClean="0"/>
+              <a:rPr lang="en-US"/>
               <a:t>Second level</a:t>
             </a:r>
           </a:p>
           <a:p>
             <a:pPr lvl="2"/>
             <a:r>
-              <a:rPr lang="en-US" smtClean="0"/>
+              <a:rPr lang="en-US"/>
               <a:t>Third level</a:t>
             </a:r>
           </a:p>
           <a:p>
             <a:pPr lvl="3"/>
             <a:r>
-              <a:rPr lang="en-US" smtClean="0"/>
+              <a:rPr lang="en-US"/>
               <a:t>Fourth level</a:t>
             </a:r>
           </a:p>
           <a:p>
             <a:pPr lvl="4"/>
             <a:r>
-              <a:rPr lang="en-US" smtClean="0"/>
+              <a:rPr lang="en-US"/>
               <a:t>Fifth level</a:t>
             </a:r>
             <a:endParaRPr lang="en-US" dirty="0"/>
@@ -3444,7 +3444,7 @@
           </a:lstStyle>
           <a:p>
             <a:r>
-              <a:rPr lang="en-US" smtClean="0"/>
+              <a:rPr lang="en-US"/>
               <a:t>Click to edit Master title style</a:t>
             </a:r>
             <a:endParaRPr lang="en-US" dirty="0"/>
@@ -3562,7 +3562,7 @@
           <a:p>
             <a:pPr lvl="0"/>
             <a:r>
-              <a:rPr lang="en-US" smtClean="0"/>
+              <a:rPr lang="en-US"/>
               <a:t>Click to edit Master text styles</a:t>
             </a:r>
           </a:p>
@@ -3679,7 +3679,7 @@
           <a:lstStyle/>
           <a:p>
             <a:r>
-              <a:rPr lang="en-US" smtClean="0"/>
+              <a:rPr lang="en-US"/>
               <a:t>Click to edit Master title style</a:t>
             </a:r>
             <a:endParaRPr lang="en-US" dirty="0"/>
@@ -3738,35 +3738,35 @@
           <a:p>
             <a:pPr lvl="0"/>
             <a:r>
-              <a:rPr lang="en-US" smtClean="0"/>
+              <a:rPr lang="en-US"/>
               <a:t>Click to edit Master text styles</a:t>
             </a:r>
           </a:p>
           <a:p>
             <a:pPr lvl="1"/>
             <a:r>
-              <a:rPr lang="en-US" smtClean="0"/>
+              <a:rPr lang="en-US"/>
               <a:t>Second level</a:t>
             </a:r>
           </a:p>
           <a:p>
             <a:pPr lvl="2"/>
             <a:r>
-              <a:rPr lang="en-US" smtClean="0"/>
+              <a:rPr lang="en-US"/>
               <a:t>Third level</a:t>
             </a:r>
           </a:p>
           <a:p>
             <a:pPr lvl="3"/>
             <a:r>
-              <a:rPr lang="en-US" smtClean="0"/>
+              <a:rPr lang="en-US"/>
               <a:t>Fourth level</a:t>
             </a:r>
           </a:p>
           <a:p>
             <a:pPr lvl="4"/>
             <a:r>
-              <a:rPr lang="en-US" smtClean="0"/>
+              <a:rPr lang="en-US"/>
               <a:t>Fifth level</a:t>
             </a:r>
             <a:endParaRPr lang="en-US" dirty="0"/>
@@ -3825,35 +3825,35 @@
           <a:p>
             <a:pPr lvl="0"/>
             <a:r>
-              <a:rPr lang="en-US" smtClean="0"/>
+              <a:rPr lang="en-US"/>
               <a:t>Click to edit Master text styles</a:t>
             </a:r>
           </a:p>
           <a:p>
             <a:pPr lvl="1"/>
             <a:r>
-              <a:rPr lang="en-US" smtClean="0"/>
+              <a:rPr lang="en-US"/>
               <a:t>Second level</a:t>
             </a:r>
           </a:p>
           <a:p>
             <a:pPr lvl="2"/>
             <a:r>
-              <a:rPr lang="en-US" smtClean="0"/>
+              <a:rPr lang="en-US"/>
               <a:t>Third level</a:t>
             </a:r>
           </a:p>
           <a:p>
             <a:pPr lvl="3"/>
             <a:r>
-              <a:rPr lang="en-US" smtClean="0"/>
+              <a:rPr lang="en-US"/>
               <a:t>Fourth level</a:t>
             </a:r>
           </a:p>
           <a:p>
             <a:pPr lvl="4"/>
             <a:r>
-              <a:rPr lang="en-US" smtClean="0"/>
+              <a:rPr lang="en-US"/>
               <a:t>Fifth level</a:t>
             </a:r>
             <a:endParaRPr lang="en-US" dirty="0"/>
@@ -3975,7 +3975,7 @@
           </a:lstStyle>
           <a:p>
             <a:r>
-              <a:rPr lang="en-US" smtClean="0"/>
+              <a:rPr lang="en-US"/>
               <a:t>Click to edit Master title style</a:t>
             </a:r>
             <a:endParaRPr lang="en-US" dirty="0"/>
@@ -4047,7 +4047,7 @@
           <a:p>
             <a:pPr lvl="0"/>
             <a:r>
-              <a:rPr lang="en-US" smtClean="0"/>
+              <a:rPr lang="en-US"/>
               <a:t>Click to edit Master text styles</a:t>
             </a:r>
           </a:p>
@@ -4105,35 +4105,35 @@
           <a:p>
             <a:pPr lvl="0"/>
             <a:r>
-              <a:rPr lang="en-US" smtClean="0"/>
+              <a:rPr lang="en-US"/>
               <a:t>Click to edit Master text styles</a:t>
             </a:r>
           </a:p>
           <a:p>
             <a:pPr lvl="1"/>
             <a:r>
-              <a:rPr lang="en-US" smtClean="0"/>
+              <a:rPr lang="en-US"/>
               <a:t>Second level</a:t>
             </a:r>
           </a:p>
           <a:p>
             <a:pPr lvl="2"/>
             <a:r>
-              <a:rPr lang="en-US" smtClean="0"/>
+              <a:rPr lang="en-US"/>
               <a:t>Third level</a:t>
             </a:r>
           </a:p>
           <a:p>
             <a:pPr lvl="3"/>
             <a:r>
-              <a:rPr lang="en-US" smtClean="0"/>
+              <a:rPr lang="en-US"/>
               <a:t>Fourth level</a:t>
             </a:r>
           </a:p>
           <a:p>
             <a:pPr lvl="4"/>
             <a:r>
-              <a:rPr lang="en-US" smtClean="0"/>
+              <a:rPr lang="en-US"/>
               <a:t>Fifth level</a:t>
             </a:r>
             <a:endParaRPr lang="en-US" dirty="0"/>
@@ -4205,7 +4205,7 @@
           <a:p>
             <a:pPr lvl="0"/>
             <a:r>
-              <a:rPr lang="en-US" smtClean="0"/>
+              <a:rPr lang="en-US"/>
               <a:t>Click to edit Master text styles</a:t>
             </a:r>
           </a:p>
@@ -4263,35 +4263,35 @@
           <a:p>
             <a:pPr lvl="0"/>
             <a:r>
-              <a:rPr lang="en-US" smtClean="0"/>
+              <a:rPr lang="en-US"/>
               <a:t>Click to edit Master text styles</a:t>
             </a:r>
           </a:p>
           <a:p>
             <a:pPr lvl="1"/>
             <a:r>
-              <a:rPr lang="en-US" smtClean="0"/>
+              <a:rPr lang="en-US"/>
               <a:t>Second level</a:t>
             </a:r>
           </a:p>
           <a:p>
             <a:pPr lvl="2"/>
             <a:r>
-              <a:rPr lang="en-US" smtClean="0"/>
+              <a:rPr lang="en-US"/>
               <a:t>Third level</a:t>
             </a:r>
           </a:p>
           <a:p>
             <a:pPr lvl="3"/>
             <a:r>
-              <a:rPr lang="en-US" smtClean="0"/>
+              <a:rPr lang="en-US"/>
               <a:t>Fourth level</a:t>
             </a:r>
           </a:p>
           <a:p>
             <a:pPr lvl="4"/>
             <a:r>
-              <a:rPr lang="en-US" smtClean="0"/>
+              <a:rPr lang="en-US"/>
               <a:t>Fifth level</a:t>
             </a:r>
             <a:endParaRPr lang="en-US" dirty="0"/>
@@ -4409,7 +4409,7 @@
           <a:lstStyle/>
           <a:p>
             <a:r>
-              <a:rPr lang="en-US" smtClean="0"/>
+              <a:rPr lang="en-US"/>
               <a:t>Click to edit Master title style</a:t>
             </a:r>
             <a:endParaRPr lang="en-US" dirty="0"/>
@@ -4631,7 +4631,7 @@
           </a:lstStyle>
           <a:p>
             <a:r>
-              <a:rPr lang="en-US" smtClean="0"/>
+              <a:rPr lang="en-US"/>
               <a:t>Click to edit Master title style</a:t>
             </a:r>
             <a:endParaRPr lang="en-US" dirty="0"/>
@@ -4690,35 +4690,35 @@
           <a:p>
             <a:pPr lvl="0"/>
             <a:r>
-              <a:rPr lang="en-US" smtClean="0"/>
+              <a:rPr lang="en-US"/>
               <a:t>Click to edit Master text styles</a:t>
             </a:r>
           </a:p>
           <a:p>
             <a:pPr lvl="1"/>
             <a:r>
-              <a:rPr lang="en-US" smtClean="0"/>
+              <a:rPr lang="en-US"/>
               <a:t>Second level</a:t>
             </a:r>
           </a:p>
           <a:p>
             <a:pPr lvl="2"/>
             <a:r>
-              <a:rPr lang="en-US" smtClean="0"/>
+              <a:rPr lang="en-US"/>
               <a:t>Third level</a:t>
             </a:r>
           </a:p>
           <a:p>
             <a:pPr lvl="3"/>
             <a:r>
-              <a:rPr lang="en-US" smtClean="0"/>
+              <a:rPr lang="en-US"/>
               <a:t>Fourth level</a:t>
             </a:r>
           </a:p>
           <a:p>
             <a:pPr lvl="4"/>
             <a:r>
-              <a:rPr lang="en-US" smtClean="0"/>
+              <a:rPr lang="en-US"/>
               <a:t>Fifth level</a:t>
             </a:r>
             <a:endParaRPr lang="en-US" dirty="0"/>
@@ -4784,7 +4784,7 @@
           <a:p>
             <a:pPr lvl="0"/>
             <a:r>
-              <a:rPr lang="en-US" smtClean="0"/>
+              <a:rPr lang="en-US"/>
               <a:t>Click to edit Master text styles</a:t>
             </a:r>
           </a:p>
@@ -4912,7 +4912,7 @@
           </a:lstStyle>
           <a:p>
             <a:r>
-              <a:rPr lang="en-US" smtClean="0"/>
+              <a:rPr lang="en-US"/>
               <a:t>Click to edit Master title style</a:t>
             </a:r>
             <a:endParaRPr lang="en-US" dirty="0"/>
@@ -4991,7 +4991,7 @@
           </a:lstStyle>
           <a:p>
             <a:r>
-              <a:rPr lang="en-US" smtClean="0"/>
+              <a:rPr lang="en-US"/>
               <a:t>Click icon to add picture</a:t>
             </a:r>
             <a:endParaRPr lang="en-US" dirty="0"/>
@@ -5059,7 +5059,7 @@
           <a:p>
             <a:pPr lvl="0"/>
             <a:r>
-              <a:rPr lang="en-US" smtClean="0"/>
+              <a:rPr lang="en-US"/>
               <a:t>Click to edit Master text styles</a:t>
             </a:r>
           </a:p>
@@ -5406,7 +5406,7 @@
           <a:lstStyle/>
           <a:p>
             <a:r>
-              <a:rPr lang="en-US" smtClean="0"/>
+              <a:rPr lang="en-US"/>
               <a:t>Click to edit Master title style</a:t>
             </a:r>
             <a:endParaRPr lang="en-US" dirty="0"/>
@@ -5440,35 +5440,35 @@
           <a:p>
             <a:pPr lvl="0"/>
             <a:r>
-              <a:rPr lang="en-US" smtClean="0"/>
+              <a:rPr lang="en-US"/>
               <a:t>Click to edit Master text styles</a:t>
             </a:r>
           </a:p>
           <a:p>
             <a:pPr lvl="1"/>
             <a:r>
-              <a:rPr lang="en-US" smtClean="0"/>
+              <a:rPr lang="en-US"/>
               <a:t>Second level</a:t>
             </a:r>
           </a:p>
           <a:p>
             <a:pPr lvl="2"/>
             <a:r>
-              <a:rPr lang="en-US" smtClean="0"/>
+              <a:rPr lang="en-US"/>
               <a:t>Third level</a:t>
             </a:r>
           </a:p>
           <a:p>
             <a:pPr lvl="3"/>
             <a:r>
-              <a:rPr lang="en-US" smtClean="0"/>
+              <a:rPr lang="en-US"/>
               <a:t>Fourth level</a:t>
             </a:r>
           </a:p>
           <a:p>
             <a:pPr lvl="4"/>
             <a:r>
-              <a:rPr lang="en-US" smtClean="0"/>
+              <a:rPr lang="en-US"/>
               <a:t>Fifth level</a:t>
             </a:r>
             <a:endParaRPr lang="en-US" dirty="0"/>
@@ -6012,29 +6012,6 @@
           <a:chExt cx="0" cy="0"/>
         </a:xfrm>
       </p:grpSpPr>
-      <p:sp>
-        <p:nvSpPr>
-          <p:cNvPr id="2" name="Title 1"/>
-          <p:cNvSpPr>
-            <a:spLocks noGrp="1"/>
-          </p:cNvSpPr>
-          <p:nvPr>
-            <p:ph type="title"/>
-          </p:nvPr>
-        </p:nvSpPr>
-        <p:spPr/>
-        <p:txBody>
-          <a:bodyPr/>
-          <a:lstStyle/>
-          <a:p>
-            <a:r>
-              <a:rPr lang="en-US" dirty="0" smtClean="0"/>
-              <a:t>Team 23</a:t>
-            </a:r>
-            <a:endParaRPr lang="en-US" dirty="0"/>
-          </a:p>
-        </p:txBody>
-      </p:sp>
       <p:pic>
         <p:nvPicPr>
           <p:cNvPr id="6" name="Content Placeholder 5"/>
@@ -6059,7 +6036,7 @@
         </p:blipFill>
         <p:spPr>
           <a:xfrm>
-            <a:off x="838200" y="452718"/>
+            <a:off x="838200" y="2547975"/>
             <a:ext cx="6616264" cy="3858936"/>
           </a:xfrm>
         </p:spPr>
@@ -6072,7 +6049,7 @@
         </p:nvSpPr>
         <p:spPr>
           <a:xfrm>
-            <a:off x="7826928" y="1260746"/>
+            <a:off x="7826928" y="1076188"/>
             <a:ext cx="3526872" cy="5632311"/>
           </a:xfrm>
           <a:prstGeom prst="rect">
@@ -6094,15 +6071,7 @@
           <a:p>
             <a:r>
               <a:rPr lang="en-US" dirty="0"/>
-              <a:t>        </a:t>
-            </a:r>
-            <a:r>
-              <a:rPr lang="en-US" dirty="0" smtClean="0"/>
-              <a:t>To </a:t>
-            </a:r>
-            <a:r>
-              <a:rPr lang="en-US" dirty="0"/>
-              <a:t>be Earth’s most drink</a:t>
+              <a:t>        To be Earth’s most drink</a:t>
             </a:r>
           </a:p>
           <a:p>
@@ -6114,19 +6083,14 @@
           <a:p>
             <a:r>
               <a:rPr lang="en-US" dirty="0"/>
-              <a:t>        </a:t>
-            </a:r>
-            <a:r>
-              <a:rPr lang="en-US" dirty="0" smtClean="0"/>
-              <a:t>a multitude of recipes to</a:t>
-            </a:r>
-          </a:p>
-          <a:p>
-            <a:r>
-              <a:rPr lang="en-US" dirty="0" smtClean="0"/>
+              <a:t>        a multitude of recipes to</a:t>
+            </a:r>
+          </a:p>
+          <a:p>
+            <a:r>
+              <a:rPr lang="en-US" dirty="0"/>
               <a:t>        our users</a:t>
             </a:r>
-            <a:endParaRPr lang="en-US" dirty="0"/>
           </a:p>
           <a:p>
             <a:endParaRPr lang="en-US" dirty="0"/>
@@ -6211,6 +6175,36 @@
           </a:p>
         </p:txBody>
       </p:sp>
+      <p:pic>
+        <p:nvPicPr>
+          <p:cNvPr id="3" name="Picture 2"/>
+          <p:cNvPicPr>
+            <a:picLocks noChangeAspect="1"/>
+          </p:cNvPicPr>
+          <p:nvPr/>
+        </p:nvPicPr>
+        <p:blipFill>
+          <a:blip r:embed="rId3">
+            <a:extLst>
+              <a:ext uri="{28A0092B-C50C-407E-A947-70E740481C1C}">
+                <a14:useLocalDpi xmlns:a14="http://schemas.microsoft.com/office/drawing/2010/main" val="0"/>
+              </a:ext>
+            </a:extLst>
+          </a:blip>
+          <a:stretch>
+            <a:fillRect/>
+          </a:stretch>
+        </p:blipFill>
+        <p:spPr>
+          <a:xfrm>
+            <a:off x="1733134" y="415364"/>
+            <a:ext cx="4826396" cy="2814994"/>
+          </a:xfrm>
+          <a:prstGeom prst="rect">
+            <a:avLst/>
+          </a:prstGeom>
+        </p:spPr>
+      </p:pic>
     </p:spTree>
     <p:extLst>
       <p:ext uri="{BB962C8B-B14F-4D97-AF65-F5344CB8AC3E}">
@@ -6221,13 +6215,6 @@
   <p:clrMapOvr>
     <a:masterClrMapping/>
   </p:clrMapOvr>
-  <p:timing>
-    <p:tnLst>
-      <p:par>
-        <p:cTn id="1" dur="indefinite" restart="never" nodeType="tmRoot"/>
-      </p:par>
-    </p:tnLst>
-  </p:timing>
 </p:sld>
 </file>
 
